--- a/DatabasesOverview/DatabasesOverview.pptx
+++ b/DatabasesOverview/DatabasesOverview.pptx
@@ -5,7 +5,7 @@
     <p:sldMasterId id="2147483648" r:id="rId1"/>
   </p:sldMasterIdLst>
   <p:notesMasterIdLst>
-    <p:notesMasterId r:id="rId14"/>
+    <p:notesMasterId r:id="rId15"/>
   </p:notesMasterIdLst>
   <p:sldIdLst>
     <p:sldId id="258" r:id="rId2"/>
@@ -20,6 +20,7 @@
     <p:sldId id="267" r:id="rId11"/>
     <p:sldId id="263" r:id="rId12"/>
     <p:sldId id="271" r:id="rId13"/>
+    <p:sldId id="272" r:id="rId14"/>
   </p:sldIdLst>
   <p:sldSz cx="12192000" cy="6858000"/>
   <p:notesSz cx="6858000" cy="9144000"/>
@@ -219,7 +220,7 @@
           <a:p>
             <a:fld id="{19104133-B5B0-4351-8158-4F0E5EB1E2BF}" type="datetimeFigureOut">
               <a:rPr lang="en-US" smtClean="0"/>
-              <a:t>1/21/2020</a:t>
+              <a:t>1/20/2021</a:t>
             </a:fld>
             <a:endParaRPr lang="en-US"/>
           </a:p>
@@ -283,38 +284,37 @@
           <a:p>
             <a:pPr lvl="0"/>
             <a:r>
-              <a:rPr lang="en-US" smtClean="0"/>
+              <a:rPr lang="en-US"/>
               <a:t>Edit Master text styles</a:t>
             </a:r>
           </a:p>
           <a:p>
             <a:pPr lvl="1"/>
             <a:r>
-              <a:rPr lang="en-US" smtClean="0"/>
+              <a:rPr lang="en-US"/>
               <a:t>Second level</a:t>
             </a:r>
           </a:p>
           <a:p>
             <a:pPr lvl="2"/>
             <a:r>
-              <a:rPr lang="en-US" smtClean="0"/>
+              <a:rPr lang="en-US"/>
               <a:t>Third level</a:t>
             </a:r>
           </a:p>
           <a:p>
             <a:pPr lvl="3"/>
             <a:r>
-              <a:rPr lang="en-US" smtClean="0"/>
+              <a:rPr lang="en-US"/>
               <a:t>Fourth level</a:t>
             </a:r>
           </a:p>
           <a:p>
             <a:pPr lvl="4"/>
             <a:r>
-              <a:rPr lang="en-US" smtClean="0"/>
+              <a:rPr lang="en-US"/>
               <a:t>Fifth level</a:t>
             </a:r>
-            <a:endParaRPr lang="en-US"/>
           </a:p>
         </p:txBody>
       </p:sp>
@@ -532,27 +532,27 @@
           <a:lstStyle/>
           <a:p>
             <a:r>
-              <a:rPr lang="en-US" b="0" dirty="0" smtClean="0"/>
+              <a:rPr lang="en-US" b="0" dirty="0"/>
               <a:t>The</a:t>
             </a:r>
             <a:r>
-              <a:rPr lang="en-US" b="0" baseline="0" dirty="0" smtClean="0"/>
+              <a:rPr lang="en-US" b="0" baseline="0" dirty="0"/>
               <a:t> </a:t>
             </a:r>
             <a:r>
-              <a:rPr lang="en-US" b="1" baseline="0" dirty="0" smtClean="0"/>
+              <a:rPr lang="en-US" b="1" baseline="0" dirty="0"/>
               <a:t>database</a:t>
             </a:r>
             <a:r>
-              <a:rPr lang="en-US" b="0" baseline="0" dirty="0" smtClean="0"/>
+              <a:rPr lang="en-US" b="0" baseline="0" dirty="0"/>
               <a:t> holds all the </a:t>
             </a:r>
             <a:r>
-              <a:rPr lang="en-US" b="0" i="1" baseline="0" dirty="0" smtClean="0"/>
+              <a:rPr lang="en-US" b="0" i="1" baseline="0" dirty="0"/>
               <a:t>data</a:t>
             </a:r>
             <a:r>
-              <a:rPr lang="en-US" b="0" i="0" baseline="0" dirty="0" smtClean="0"/>
+              <a:rPr lang="en-US" b="0" i="0" baseline="0" dirty="0"/>
               <a:t> for the web application. </a:t>
             </a:r>
             <a:endParaRPr lang="en-US" b="0" dirty="0"/>
@@ -640,65 +640,65 @@
           <a:lstStyle/>
           <a:p>
             <a:r>
-              <a:rPr lang="en-US" dirty="0" smtClean="0"/>
+              <a:rPr lang="en-US" dirty="0"/>
               <a:t>If a database maintainer needs to remove </a:t>
             </a:r>
             <a:r>
-              <a:rPr lang="en-US" baseline="0" dirty="0" smtClean="0"/>
+              <a:rPr lang="en-US" baseline="0" dirty="0"/>
               <a:t>a row, this is possible with </a:t>
             </a:r>
             <a:r>
-              <a:rPr lang="en-US" b="1" baseline="0" dirty="0" smtClean="0"/>
+              <a:rPr lang="en-US" b="1" baseline="0" dirty="0"/>
               <a:t>DELETE</a:t>
             </a:r>
             <a:r>
-              <a:rPr lang="en-US" b="0" baseline="0" dirty="0" smtClean="0"/>
+              <a:rPr lang="en-US" b="0" baseline="0" dirty="0"/>
               <a:t>.</a:t>
             </a:r>
           </a:p>
           <a:p>
-            <a:endParaRPr lang="en-US" b="0" baseline="0" dirty="0" smtClean="0"/>
+            <a:endParaRPr lang="en-US" b="0" baseline="0" dirty="0"/>
           </a:p>
           <a:p>
             <a:r>
-              <a:rPr lang="en-US" b="0" baseline="0" dirty="0" smtClean="0"/>
+              <a:rPr lang="en-US" b="0" baseline="0" dirty="0"/>
               <a:t>Note the syntax: </a:t>
             </a:r>
             <a:r>
-              <a:rPr lang="en-US" b="1" baseline="0" dirty="0" smtClean="0"/>
+              <a:rPr lang="en-US" b="1" baseline="0" dirty="0"/>
               <a:t>DELETE FROM </a:t>
             </a:r>
             <a:r>
-              <a:rPr lang="en-US" b="0" baseline="0" dirty="0" smtClean="0"/>
+              <a:rPr lang="en-US" b="0" baseline="0" dirty="0"/>
               <a:t>{</a:t>
             </a:r>
             <a:r>
-              <a:rPr lang="en-US" b="0" baseline="0" dirty="0" err="1" smtClean="0"/>
+              <a:rPr lang="en-US" b="0" baseline="0" dirty="0" err="1"/>
               <a:t>tablename</a:t>
             </a:r>
             <a:r>
-              <a:rPr lang="en-US" b="0" baseline="0" dirty="0" smtClean="0"/>
+              <a:rPr lang="en-US" b="0" baseline="0" dirty="0"/>
               <a:t>} </a:t>
             </a:r>
             <a:r>
-              <a:rPr lang="en-US" b="1" baseline="0" dirty="0" smtClean="0"/>
+              <a:rPr lang="en-US" b="1" baseline="0" dirty="0"/>
               <a:t>WHERE </a:t>
             </a:r>
             <a:r>
-              <a:rPr lang="en-US" b="0" baseline="0" dirty="0" smtClean="0"/>
+              <a:rPr lang="en-US" b="0" baseline="0" dirty="0"/>
               <a:t>{</a:t>
             </a:r>
             <a:r>
-              <a:rPr lang="en-US" b="0" baseline="0" dirty="0" err="1" smtClean="0"/>
+              <a:rPr lang="en-US" b="0" baseline="0" dirty="0" err="1"/>
               <a:t>colname</a:t>
             </a:r>
             <a:r>
-              <a:rPr lang="en-US" b="0" baseline="0" dirty="0" smtClean="0"/>
+              <a:rPr lang="en-US" b="0" baseline="0" dirty="0"/>
               <a:t>} = {value}</a:t>
             </a:r>
           </a:p>
           <a:p>
-            <a:endParaRPr lang="en-US" b="0" baseline="0" dirty="0" smtClean="0"/>
+            <a:endParaRPr lang="en-US" b="0" baseline="0" dirty="0"/>
           </a:p>
           <a:p>
             <a:pPr marL="0" marR="0" lvl="0" indent="0" algn="l" defTabSz="914400" rtl="0" eaLnBrk="1" fontAlgn="auto" latinLnBrk="0" hangingPunct="1">
@@ -719,26 +719,26 @@
               <a:defRPr/>
             </a:pPr>
             <a:r>
-              <a:rPr lang="en-US" b="0" baseline="0" dirty="0" smtClean="0"/>
+              <a:rPr lang="en-US" b="0" baseline="0" dirty="0"/>
               <a:t>It is very important to remember the </a:t>
             </a:r>
             <a:r>
-              <a:rPr lang="en-US" b="1" baseline="0" dirty="0" smtClean="0"/>
+              <a:rPr lang="en-US" b="1" baseline="0" dirty="0"/>
               <a:t>WHERE</a:t>
             </a:r>
             <a:r>
-              <a:rPr lang="en-US" b="0" baseline="0" dirty="0" smtClean="0"/>
+              <a:rPr lang="en-US" b="0" baseline="0" dirty="0"/>
               <a:t> clause! Without the </a:t>
             </a:r>
             <a:r>
-              <a:rPr lang="en-US" b="1" baseline="0" dirty="0" smtClean="0"/>
+              <a:rPr lang="en-US" b="1" baseline="0" dirty="0"/>
               <a:t>WHERE</a:t>
             </a:r>
             <a:r>
-              <a:rPr lang="en-US" b="0" baseline="0" dirty="0" smtClean="0"/>
+              <a:rPr lang="en-US" b="0" baseline="0" dirty="0"/>
               <a:t> clause, every single row would be deleted!</a:t>
             </a:r>
-            <a:endParaRPr lang="en-US" dirty="0" smtClean="0"/>
+            <a:endParaRPr lang="en-US" dirty="0"/>
           </a:p>
         </p:txBody>
       </p:sp>
@@ -823,54 +823,53 @@
           <a:lstStyle/>
           <a:p>
             <a:r>
-              <a:rPr lang="en-US" dirty="0" smtClean="0"/>
+              <a:rPr lang="en-US" dirty="0"/>
               <a:t>In a relational database, like </a:t>
             </a:r>
             <a:r>
-              <a:rPr lang="en-US" b="1" dirty="0" smtClean="0"/>
+              <a:rPr lang="en-US" b="1" dirty="0"/>
               <a:t>MySQL</a:t>
             </a:r>
             <a:r>
-              <a:rPr lang="en-US" dirty="0" smtClean="0"/>
+              <a:rPr lang="en-US" dirty="0"/>
               <a:t>, the data is</a:t>
             </a:r>
             <a:r>
-              <a:rPr lang="en-US" baseline="0" dirty="0" smtClean="0"/>
+              <a:rPr lang="en-US" baseline="0" dirty="0"/>
               <a:t> held in </a:t>
             </a:r>
             <a:r>
-              <a:rPr lang="en-US" i="1" baseline="0" dirty="0" smtClean="0"/>
+              <a:rPr lang="en-US" i="1" baseline="0" dirty="0"/>
               <a:t>tables</a:t>
             </a:r>
             <a:r>
-              <a:rPr lang="en-US" b="1" i="1" baseline="0" dirty="0" smtClean="0"/>
+              <a:rPr lang="en-US" b="1" i="1" baseline="0" dirty="0"/>
               <a:t>. </a:t>
             </a:r>
             <a:r>
-              <a:rPr lang="en-US" b="0" i="0" baseline="0" dirty="0" smtClean="0"/>
+              <a:rPr lang="en-US" b="0" i="0" baseline="0" dirty="0"/>
               <a:t>Each </a:t>
             </a:r>
             <a:r>
-              <a:rPr lang="en-US" b="1" i="0" baseline="0" dirty="0" smtClean="0"/>
+              <a:rPr lang="en-US" b="1" i="0" baseline="0" dirty="0"/>
               <a:t>row</a:t>
             </a:r>
             <a:r>
-              <a:rPr lang="en-US" b="0" i="0" baseline="0" dirty="0" smtClean="0"/>
+              <a:rPr lang="en-US" b="0" i="0" baseline="0" dirty="0"/>
               <a:t> in the table represents one object (or record), and each </a:t>
             </a:r>
             <a:r>
-              <a:rPr lang="en-US" b="1" i="0" baseline="0" dirty="0" smtClean="0"/>
+              <a:rPr lang="en-US" b="1" i="0" baseline="0" dirty="0"/>
               <a:t>column</a:t>
             </a:r>
             <a:r>
-              <a:rPr lang="en-US" b="0" i="0" baseline="0" dirty="0" smtClean="0"/>
+              <a:rPr lang="en-US" b="0" i="0" baseline="0" dirty="0"/>
               <a:t> represents one property (or field) for the object.</a:t>
             </a:r>
             <a:r>
-              <a:rPr lang="en-US" dirty="0" smtClean="0"/>
+              <a:rPr lang="en-US" dirty="0"/>
               <a:t> </a:t>
             </a:r>
-            <a:endParaRPr lang="en-US" dirty="0"/>
           </a:p>
         </p:txBody>
       </p:sp>
@@ -955,24 +954,24 @@
           <a:lstStyle/>
           <a:p>
             <a:r>
-              <a:rPr lang="en-US" dirty="0" smtClean="0"/>
+              <a:rPr lang="en-US" dirty="0"/>
               <a:t>SQL is basically a language to talk to databases. Lots of different DB Engines use SQL.</a:t>
             </a:r>
             <a:r>
-              <a:rPr lang="en-US" baseline="0" dirty="0" smtClean="0"/>
+              <a:rPr lang="en-US" baseline="0" dirty="0"/>
               <a:t> Web servers can use SQL to communicate with the database.</a:t>
             </a:r>
           </a:p>
           <a:p>
-            <a:endParaRPr lang="en-US" baseline="0" dirty="0" smtClean="0"/>
+            <a:endParaRPr lang="en-US" baseline="0" dirty="0"/>
           </a:p>
           <a:p>
             <a:r>
-              <a:rPr lang="en-US" b="1" baseline="0" dirty="0" smtClean="0"/>
+              <a:rPr lang="en-US" b="1" baseline="0" dirty="0"/>
               <a:t>What kind of interactions would the web server have with the DB?</a:t>
             </a:r>
             <a:r>
-              <a:rPr lang="en-US" baseline="0" dirty="0" smtClean="0"/>
+              <a:rPr lang="en-US" baseline="0" dirty="0"/>
               <a:t> -&gt; Next Slide</a:t>
             </a:r>
             <a:endParaRPr lang="en-US" dirty="0"/>
@@ -1060,19 +1059,19 @@
           <a:lstStyle/>
           <a:p>
             <a:r>
-              <a:rPr lang="en-US" dirty="0" smtClean="0"/>
+              <a:rPr lang="en-US" dirty="0"/>
               <a:t>Ask if anyone has seen the movie C.H.U.D. (they</a:t>
             </a:r>
             <a:r>
-              <a:rPr lang="en-US" baseline="0" dirty="0" smtClean="0"/>
+              <a:rPr lang="en-US" baseline="0" dirty="0"/>
               <a:t> probably haven’t). We aren’t actually going to talk about C.H.U.D. though; we will talk about </a:t>
             </a:r>
             <a:r>
-              <a:rPr lang="en-US" b="1" baseline="0" dirty="0" smtClean="0"/>
+              <a:rPr lang="en-US" b="1" baseline="0" dirty="0"/>
               <a:t>CRUD</a:t>
             </a:r>
             <a:r>
-              <a:rPr lang="en-US" baseline="0" dirty="0" smtClean="0"/>
+              <a:rPr lang="en-US" baseline="0" dirty="0"/>
               <a:t> instead.</a:t>
             </a:r>
             <a:endParaRPr lang="en-US" dirty="0"/>
@@ -1160,11 +1159,11 @@
           <a:lstStyle/>
           <a:p>
             <a:r>
-              <a:rPr lang="en-US" b="1" dirty="0" smtClean="0"/>
+              <a:rPr lang="en-US" b="1" dirty="0"/>
               <a:t>CRUD</a:t>
             </a:r>
             <a:r>
-              <a:rPr lang="en-US" b="0" baseline="0" dirty="0" smtClean="0"/>
+              <a:rPr lang="en-US" b="0" baseline="0" dirty="0"/>
               <a:t> encompasses the basic database interactions necessary for a simple app.</a:t>
             </a:r>
             <a:endParaRPr lang="en-US" b="1" dirty="0"/>
@@ -1252,76 +1251,76 @@
           <a:lstStyle/>
           <a:p>
             <a:r>
-              <a:rPr lang="en-US" dirty="0" smtClean="0"/>
+              <a:rPr lang="en-US" dirty="0"/>
               <a:t>Say we wanted to add another movie to this table. It’s incomplete;</a:t>
             </a:r>
             <a:r>
-              <a:rPr lang="en-US" baseline="0" dirty="0" smtClean="0"/>
+              <a:rPr lang="en-US" baseline="0" dirty="0"/>
               <a:t> we need to add </a:t>
             </a:r>
             <a:r>
-              <a:rPr lang="en-US" b="1" baseline="0" dirty="0" smtClean="0"/>
+              <a:rPr lang="en-US" b="1" baseline="0" dirty="0"/>
               <a:t>Pixels</a:t>
             </a:r>
             <a:r>
-              <a:rPr lang="en-US" b="0" baseline="0" dirty="0" smtClean="0"/>
+              <a:rPr lang="en-US" b="0" baseline="0" dirty="0"/>
               <a:t>.</a:t>
             </a:r>
-            <a:endParaRPr lang="en-US" dirty="0" smtClean="0"/>
+            <a:endParaRPr lang="en-US" dirty="0"/>
           </a:p>
           <a:p>
-            <a:endParaRPr lang="en-US" dirty="0" smtClean="0"/>
+            <a:endParaRPr lang="en-US" dirty="0"/>
           </a:p>
           <a:p>
             <a:r>
-              <a:rPr lang="en-US" dirty="0" smtClean="0"/>
+              <a:rPr lang="en-US" dirty="0"/>
               <a:t>The</a:t>
             </a:r>
             <a:r>
-              <a:rPr lang="en-US" baseline="0" dirty="0" smtClean="0"/>
+              <a:rPr lang="en-US" baseline="0" dirty="0"/>
               <a:t> SQL `INSERT INTO` statement allows database maintainers to add a row to a table. Note the syntax:</a:t>
             </a:r>
           </a:p>
           <a:p>
             <a:r>
-              <a:rPr lang="en-US" b="1" baseline="0" dirty="0" smtClean="0"/>
+              <a:rPr lang="en-US" b="1" baseline="0" dirty="0"/>
               <a:t>INSERT INTO </a:t>
             </a:r>
             <a:r>
-              <a:rPr lang="en-US" baseline="0" dirty="0" smtClean="0"/>
+              <a:rPr lang="en-US" baseline="0" dirty="0"/>
               <a:t>{</a:t>
             </a:r>
             <a:r>
-              <a:rPr lang="en-US" baseline="0" dirty="0" err="1" smtClean="0"/>
+              <a:rPr lang="en-US" baseline="0" dirty="0" err="1"/>
               <a:t>tablename</a:t>
             </a:r>
             <a:r>
-              <a:rPr lang="en-US" baseline="0" dirty="0" smtClean="0"/>
+              <a:rPr lang="en-US" baseline="0" dirty="0"/>
               <a:t>} </a:t>
             </a:r>
             <a:r>
-              <a:rPr lang="en-US" b="1" baseline="0" dirty="0" smtClean="0"/>
+              <a:rPr lang="en-US" b="1" baseline="0" dirty="0"/>
               <a:t>VALUES</a:t>
             </a:r>
             <a:r>
-              <a:rPr lang="en-US" baseline="0" dirty="0" smtClean="0"/>
+              <a:rPr lang="en-US" baseline="0" dirty="0"/>
               <a:t> ({val1}, {val2}, …);</a:t>
             </a:r>
           </a:p>
           <a:p>
-            <a:endParaRPr lang="en-US" baseline="0" dirty="0" smtClean="0"/>
+            <a:endParaRPr lang="en-US" baseline="0" dirty="0"/>
           </a:p>
           <a:p>
             <a:r>
-              <a:rPr lang="en-US" baseline="0" dirty="0" smtClean="0"/>
+              <a:rPr lang="en-US" baseline="0" dirty="0"/>
               <a:t>After running the </a:t>
             </a:r>
             <a:r>
-              <a:rPr lang="en-US" b="1" baseline="0" dirty="0" smtClean="0"/>
+              <a:rPr lang="en-US" b="1" baseline="0" dirty="0"/>
               <a:t>INSERT INTO</a:t>
             </a:r>
             <a:r>
-              <a:rPr lang="en-US" b="0" baseline="0" dirty="0" smtClean="0"/>
+              <a:rPr lang="en-US" b="0" baseline="0" dirty="0"/>
               <a:t> statement, the new row appears in the table!</a:t>
             </a:r>
             <a:endParaRPr lang="en-US" dirty="0"/>
@@ -1409,33 +1408,33 @@
           <a:lstStyle/>
           <a:p>
             <a:r>
-              <a:rPr lang="en-US" dirty="0" smtClean="0"/>
+              <a:rPr lang="en-US" dirty="0"/>
               <a:t>Say we wanted to actually get some content out of the database.</a:t>
             </a:r>
             <a:r>
-              <a:rPr lang="en-US" baseline="0" dirty="0" smtClean="0"/>
+              <a:rPr lang="en-US" baseline="0" dirty="0"/>
               <a:t> This is possible with </a:t>
             </a:r>
             <a:r>
-              <a:rPr lang="en-US" b="1" baseline="0" dirty="0" smtClean="0"/>
+              <a:rPr lang="en-US" b="1" baseline="0" dirty="0"/>
               <a:t>SELECT</a:t>
             </a:r>
             <a:r>
-              <a:rPr lang="en-US" b="0" baseline="0" dirty="0" smtClean="0"/>
+              <a:rPr lang="en-US" b="0" baseline="0" dirty="0"/>
               <a:t>!</a:t>
             </a:r>
           </a:p>
           <a:p>
-            <a:endParaRPr lang="en-US" b="0" baseline="0" dirty="0" smtClean="0"/>
+            <a:endParaRPr lang="en-US" b="0" baseline="0" dirty="0"/>
           </a:p>
           <a:p>
             <a:r>
-              <a:rPr lang="en-US" b="0" baseline="0" dirty="0" smtClean="0"/>
+              <a:rPr lang="en-US" b="0" baseline="0" dirty="0"/>
               <a:t>You can select one property from each row, or select all properties</a:t>
             </a:r>
           </a:p>
           <a:p>
-            <a:endParaRPr lang="en-US" b="0" baseline="0" dirty="0" smtClean="0"/>
+            <a:endParaRPr lang="en-US" b="0" baseline="0" dirty="0"/>
           </a:p>
           <a:p>
             <a:endParaRPr lang="en-US" dirty="0"/>
@@ -1523,28 +1522,28 @@
           <a:lstStyle/>
           <a:p>
             <a:r>
-              <a:rPr lang="en-US" dirty="0" smtClean="0"/>
+              <a:rPr lang="en-US" dirty="0"/>
               <a:t>It is</a:t>
             </a:r>
             <a:r>
-              <a:rPr lang="en-US" baseline="0" dirty="0" smtClean="0"/>
+              <a:rPr lang="en-US" baseline="0" dirty="0"/>
               <a:t> also possible to narrow down the data you retrieve. This is possible with </a:t>
             </a:r>
             <a:r>
-              <a:rPr lang="en-US" b="1" baseline="0" dirty="0" smtClean="0"/>
+              <a:rPr lang="en-US" b="1" baseline="0" dirty="0"/>
               <a:t>WHERE</a:t>
             </a:r>
             <a:r>
-              <a:rPr lang="en-US" b="0" baseline="0" dirty="0" smtClean="0"/>
+              <a:rPr lang="en-US" b="0" baseline="0" dirty="0"/>
               <a:t>.</a:t>
             </a:r>
           </a:p>
           <a:p>
-            <a:endParaRPr lang="en-US" b="0" baseline="0" dirty="0" smtClean="0"/>
+            <a:endParaRPr lang="en-US" b="0" baseline="0" dirty="0"/>
           </a:p>
           <a:p>
             <a:r>
-              <a:rPr lang="en-US" b="0" baseline="0" dirty="0" smtClean="0"/>
+              <a:rPr lang="en-US" b="0" baseline="0" dirty="0"/>
               <a:t>Note the representation in JSON here – this is somewhat arbitrary. The important thing is that the movies were narrowed down to ONLY comedy films, and only the title and year were returned.</a:t>
             </a:r>
             <a:endParaRPr lang="en-US" dirty="0"/>
@@ -1632,93 +1631,93 @@
           <a:lstStyle/>
           <a:p>
             <a:r>
-              <a:rPr lang="en-US" dirty="0" smtClean="0"/>
+              <a:rPr lang="en-US" dirty="0"/>
               <a:t>If a</a:t>
             </a:r>
             <a:r>
-              <a:rPr lang="en-US" baseline="0" dirty="0" smtClean="0"/>
+              <a:rPr lang="en-US" baseline="0" dirty="0"/>
               <a:t> database maintainer needs to modify an existing row in a table, that is possible with </a:t>
             </a:r>
             <a:r>
-              <a:rPr lang="en-US" b="1" baseline="0" dirty="0" smtClean="0"/>
+              <a:rPr lang="en-US" b="1" baseline="0" dirty="0"/>
               <a:t>UPDATE</a:t>
             </a:r>
             <a:r>
-              <a:rPr lang="en-US" b="0" baseline="0" dirty="0" smtClean="0"/>
+              <a:rPr lang="en-US" b="0" baseline="0" dirty="0"/>
               <a:t>.</a:t>
             </a:r>
           </a:p>
           <a:p>
-            <a:endParaRPr lang="en-US" b="0" baseline="0" dirty="0" smtClean="0"/>
+            <a:endParaRPr lang="en-US" b="0" baseline="0" dirty="0"/>
           </a:p>
           <a:p>
             <a:r>
-              <a:rPr lang="en-US" b="0" baseline="0" dirty="0" smtClean="0"/>
+              <a:rPr lang="en-US" b="0" baseline="0" dirty="0"/>
               <a:t>Note the syntax: </a:t>
             </a:r>
             <a:r>
-              <a:rPr lang="en-US" b="1" baseline="0" dirty="0" smtClean="0"/>
+              <a:rPr lang="en-US" b="1" baseline="0" dirty="0"/>
               <a:t>UPDATE </a:t>
             </a:r>
             <a:r>
-              <a:rPr lang="en-US" b="0" baseline="0" dirty="0" smtClean="0"/>
+              <a:rPr lang="en-US" b="0" baseline="0" dirty="0"/>
               <a:t>{</a:t>
             </a:r>
             <a:r>
-              <a:rPr lang="en-US" b="0" baseline="0" dirty="0" err="1" smtClean="0"/>
+              <a:rPr lang="en-US" b="0" baseline="0" dirty="0" err="1"/>
               <a:t>tablename</a:t>
             </a:r>
             <a:r>
-              <a:rPr lang="en-US" b="0" baseline="0" dirty="0" smtClean="0"/>
+              <a:rPr lang="en-US" b="0" baseline="0" dirty="0"/>
               <a:t>} </a:t>
             </a:r>
             <a:r>
-              <a:rPr lang="en-US" b="1" baseline="0" dirty="0" smtClean="0"/>
+              <a:rPr lang="en-US" b="1" baseline="0" dirty="0"/>
               <a:t>SET</a:t>
             </a:r>
             <a:r>
-              <a:rPr lang="en-US" b="0" baseline="0" dirty="0" smtClean="0"/>
+              <a:rPr lang="en-US" b="0" baseline="0" dirty="0"/>
               <a:t> {</a:t>
             </a:r>
             <a:r>
-              <a:rPr lang="en-US" b="0" baseline="0" dirty="0" err="1" smtClean="0"/>
+              <a:rPr lang="en-US" b="0" baseline="0" dirty="0" err="1"/>
               <a:t>colname</a:t>
             </a:r>
             <a:r>
-              <a:rPr lang="en-US" b="0" baseline="0" dirty="0" smtClean="0"/>
+              <a:rPr lang="en-US" b="0" baseline="0" dirty="0"/>
               <a:t>} = {value} </a:t>
             </a:r>
             <a:r>
-              <a:rPr lang="en-US" b="1" baseline="0" dirty="0" smtClean="0"/>
+              <a:rPr lang="en-US" b="1" baseline="0" dirty="0"/>
               <a:t>WHERE</a:t>
             </a:r>
             <a:r>
-              <a:rPr lang="en-US" b="0" baseline="0" dirty="0" smtClean="0"/>
+              <a:rPr lang="en-US" b="0" baseline="0" dirty="0"/>
               <a:t> {</a:t>
             </a:r>
             <a:r>
-              <a:rPr lang="en-US" b="0" baseline="0" dirty="0" err="1" smtClean="0"/>
+              <a:rPr lang="en-US" b="0" baseline="0" dirty="0" err="1"/>
               <a:t>colname</a:t>
             </a:r>
             <a:r>
-              <a:rPr lang="en-US" b="0" baseline="0" dirty="0" smtClean="0"/>
+              <a:rPr lang="en-US" b="0" baseline="0" dirty="0"/>
               <a:t>} = {value}</a:t>
             </a:r>
           </a:p>
           <a:p>
-            <a:endParaRPr lang="en-US" b="0" baseline="0" dirty="0" smtClean="0"/>
+            <a:endParaRPr lang="en-US" b="0" baseline="0" dirty="0"/>
           </a:p>
           <a:p>
             <a:r>
-              <a:rPr lang="en-US" b="0" baseline="0" dirty="0" smtClean="0"/>
+              <a:rPr lang="en-US" b="0" baseline="0" dirty="0"/>
               <a:t>It is very important to remember the </a:t>
             </a:r>
             <a:r>
-              <a:rPr lang="en-US" b="1" baseline="0" dirty="0" smtClean="0"/>
+              <a:rPr lang="en-US" b="1" baseline="0" dirty="0"/>
               <a:t>WHERE</a:t>
             </a:r>
             <a:r>
-              <a:rPr lang="en-US" b="0" baseline="0" dirty="0" smtClean="0"/>
+              <a:rPr lang="en-US" b="0" baseline="0" dirty="0"/>
               <a:t> clause!</a:t>
             </a:r>
             <a:endParaRPr lang="en-US" dirty="0"/>
@@ -1901,15 +1900,7 @@
           <a:p>
             <a:r>
               <a:rPr lang="en-US" dirty="0"/>
-              <a:t>Click to edit Master </a:t>
-            </a:r>
-            <a:r>
-              <a:rPr lang="en-US" dirty="0" smtClean="0"/>
-              <a:t>subtitle </a:t>
-            </a:r>
-            <a:r>
-              <a:rPr lang="en-US" dirty="0"/>
-              <a:t>style</a:t>
+              <a:t>Click to edit Master subtitle style</a:t>
             </a:r>
           </a:p>
         </p:txBody>
@@ -1951,7 +1942,7 @@
             <a:fld id="{1C2D31DE-C454-491C-B5C3-F097855E3DF7}" type="datetime4">
               <a:rPr lang="en-US" smtClean="0"/>
               <a:pPr/>
-              <a:t>January 21, 2020</a:t>
+              <a:t>January 20, 2021</a:t>
             </a:fld>
             <a:endParaRPr lang="en-US" dirty="0"/>
           </a:p>
@@ -5025,17 +5016,16 @@
           <a:p>
             <a:pPr lvl="0"/>
             <a:r>
-              <a:rPr lang="en-US" dirty="0" smtClean="0"/>
+              <a:rPr lang="en-US" dirty="0"/>
               <a:t>Presenter Name</a:t>
             </a:r>
             <a:br>
-              <a:rPr lang="en-US" dirty="0" smtClean="0"/>
+              <a:rPr lang="en-US" dirty="0"/>
             </a:br>
             <a:r>
-              <a:rPr lang="en-US" dirty="0" smtClean="0"/>
+              <a:rPr lang="en-US" dirty="0"/>
               <a:t>Presenter Title</a:t>
             </a:r>
-            <a:endParaRPr lang="en-US" dirty="0"/>
           </a:p>
         </p:txBody>
       </p:sp>
@@ -5052,13 +5042,6 @@
   <p:transition>
     <p:fade/>
   </p:transition>
-  <p:timing>
-    <p:tnLst>
-      <p:par>
-        <p:cTn id="1" dur="indefinite" restart="never" nodeType="tmRoot"/>
-      </p:par>
-    </p:tnLst>
-  </p:timing>
   <p:hf sldNum="0" hdr="0" ftr="0"/>
 </p:sldLayout>
 </file>
@@ -5351,7 +5334,7 @@
           <a:p>
             <a:fld id="{5958763E-B898-436D-883D-03711491D54A}" type="datetimeFigureOut">
               <a:rPr lang="en-US" smtClean="0"/>
-              <a:t>1/21/2020</a:t>
+              <a:t>1/20/2021</a:t>
             </a:fld>
             <a:endParaRPr lang="en-US"/>
           </a:p>
@@ -5424,13 +5407,6 @@
   <p:transition>
     <p:fade/>
   </p:transition>
-  <p:timing>
-    <p:tnLst>
-      <p:par>
-        <p:cTn id="1" dur="indefinite" restart="never" nodeType="tmRoot"/>
-      </p:par>
-    </p:tnLst>
-  </p:timing>
 </p:sldLayout>
 </file>
 
@@ -5479,10 +5455,9 @@
           </a:lstStyle>
           <a:p>
             <a:r>
-              <a:rPr lang="en-US" dirty="0" smtClean="0"/>
+              <a:rPr lang="en-US" dirty="0"/>
               <a:t>Click icon to add picture</a:t>
             </a:r>
-            <a:endParaRPr lang="en-US" dirty="0"/>
           </a:p>
         </p:txBody>
       </p:sp>
@@ -5552,7 +5527,7 @@
           <a:p>
             <a:fld id="{5958763E-B898-436D-883D-03711491D54A}" type="datetimeFigureOut">
               <a:rPr lang="en-US" smtClean="0"/>
-              <a:t>1/21/2020</a:t>
+              <a:t>1/20/2021</a:t>
             </a:fld>
             <a:endParaRPr lang="en-US"/>
           </a:p>
@@ -5625,13 +5600,6 @@
   <p:transition>
     <p:fade/>
   </p:transition>
-  <p:timing>
-    <p:tnLst>
-      <p:par>
-        <p:cTn id="1" dur="indefinite" restart="never" nodeType="tmRoot"/>
-      </p:par>
-    </p:tnLst>
-  </p:timing>
 </p:sldLayout>
 </file>
 
@@ -5809,7 +5777,7 @@
           <a:p>
             <a:fld id="{5958763E-B898-436D-883D-03711491D54A}" type="datetimeFigureOut">
               <a:rPr lang="en-US" smtClean="0"/>
-              <a:t>1/21/2020</a:t>
+              <a:t>1/20/2021</a:t>
             </a:fld>
             <a:endParaRPr lang="en-US"/>
           </a:p>
@@ -5882,13 +5850,6 @@
   <p:transition>
     <p:fade/>
   </p:transition>
-  <p:timing>
-    <p:tnLst>
-      <p:par>
-        <p:cTn id="1" dur="indefinite" restart="never" nodeType="tmRoot"/>
-      </p:par>
-    </p:tnLst>
-  </p:timing>
 </p:sldLayout>
 </file>
 
@@ -6164,7 +6125,7 @@
           <a:p>
             <a:fld id="{5958763E-B898-436D-883D-03711491D54A}" type="datetimeFigureOut">
               <a:rPr lang="en-US" smtClean="0"/>
-              <a:t>1/21/2020</a:t>
+              <a:t>1/20/2021</a:t>
             </a:fld>
             <a:endParaRPr lang="en-US"/>
           </a:p>
@@ -6225,13 +6186,6 @@
   <p:transition>
     <p:fade/>
   </p:transition>
-  <p:timing>
-    <p:tnLst>
-      <p:par>
-        <p:cTn id="1" dur="indefinite" restart="never" nodeType="tmRoot"/>
-      </p:par>
-    </p:tnLst>
-  </p:timing>
 </p:sldLayout>
 </file>
 
@@ -6587,7 +6541,7 @@
           <a:p>
             <a:fld id="{5958763E-B898-436D-883D-03711491D54A}" type="datetimeFigureOut">
               <a:rPr lang="en-US" smtClean="0"/>
-              <a:t>1/21/2020</a:t>
+              <a:t>1/20/2021</a:t>
             </a:fld>
             <a:endParaRPr lang="en-US"/>
           </a:p>
@@ -6648,13 +6602,6 @@
   <p:transition>
     <p:fade/>
   </p:transition>
-  <p:timing>
-    <p:tnLst>
-      <p:par>
-        <p:cTn id="1" dur="indefinite" restart="never" nodeType="tmRoot"/>
-      </p:par>
-    </p:tnLst>
-  </p:timing>
 </p:sldLayout>
 </file>
 
@@ -7095,7 +7042,7 @@
           <a:p>
             <a:fld id="{5958763E-B898-436D-883D-03711491D54A}" type="datetimeFigureOut">
               <a:rPr lang="en-US" smtClean="0"/>
-              <a:t>1/21/2020</a:t>
+              <a:t>1/20/2021</a:t>
             </a:fld>
             <a:endParaRPr lang="en-US"/>
           </a:p>
@@ -7156,13 +7103,6 @@
   <p:transition>
     <p:fade/>
   </p:transition>
-  <p:timing>
-    <p:tnLst>
-      <p:par>
-        <p:cTn id="1" dur="indefinite" restart="never" nodeType="tmRoot"/>
-      </p:par>
-    </p:tnLst>
-  </p:timing>
 </p:sldLayout>
 </file>
 
@@ -7553,7 +7493,7 @@
           <a:p>
             <a:fld id="{5958763E-B898-436D-883D-03711491D54A}" type="datetimeFigureOut">
               <a:rPr lang="en-US" smtClean="0"/>
-              <a:t>1/21/2020</a:t>
+              <a:t>1/20/2021</a:t>
             </a:fld>
             <a:endParaRPr lang="en-US"/>
           </a:p>
@@ -7614,13 +7554,6 @@
   <p:transition>
     <p:fade/>
   </p:transition>
-  <p:timing>
-    <p:tnLst>
-      <p:par>
-        <p:cTn id="1" dur="indefinite" restart="never" nodeType="tmRoot"/>
-      </p:par>
-    </p:tnLst>
-  </p:timing>
 </p:sldLayout>
 </file>
 
@@ -8171,7 +8104,7 @@
           <a:p>
             <a:fld id="{5958763E-B898-436D-883D-03711491D54A}" type="datetimeFigureOut">
               <a:rPr lang="en-US" smtClean="0"/>
-              <a:t>1/21/2020</a:t>
+              <a:t>1/20/2021</a:t>
             </a:fld>
             <a:endParaRPr lang="en-US"/>
           </a:p>
@@ -8232,13 +8165,6 @@
   <p:transition>
     <p:fade/>
   </p:transition>
-  <p:timing>
-    <p:tnLst>
-      <p:par>
-        <p:cTn id="1" dur="indefinite" restart="never" nodeType="tmRoot"/>
-      </p:par>
-    </p:tnLst>
-  </p:timing>
 </p:sldLayout>
 </file>
 
@@ -8949,7 +8875,7 @@
           <a:p>
             <a:fld id="{5958763E-B898-436D-883D-03711491D54A}" type="datetimeFigureOut">
               <a:rPr lang="en-US" smtClean="0"/>
-              <a:t>1/21/2020</a:t>
+              <a:t>1/20/2021</a:t>
             </a:fld>
             <a:endParaRPr lang="en-US"/>
           </a:p>
@@ -9010,13 +8936,6 @@
   <p:transition>
     <p:fade/>
   </p:transition>
-  <p:timing>
-    <p:tnLst>
-      <p:par>
-        <p:cTn id="1" dur="indefinite" restart="never" nodeType="tmRoot"/>
-      </p:par>
-    </p:tnLst>
-  </p:timing>
 </p:sldLayout>
 </file>
 
@@ -9060,7 +8979,7 @@
           <a:p>
             <a:fld id="{5958763E-B898-436D-883D-03711491D54A}" type="datetimeFigureOut">
               <a:rPr lang="en-US" smtClean="0"/>
-              <a:t>1/21/2020</a:t>
+              <a:t>1/20/2021</a:t>
             </a:fld>
             <a:endParaRPr lang="en-US"/>
           </a:p>
@@ -9133,13 +9052,6 @@
   <p:transition>
     <p:fade/>
   </p:transition>
-  <p:timing>
-    <p:tnLst>
-      <p:par>
-        <p:cTn id="1" dur="indefinite" restart="never" nodeType="tmRoot"/>
-      </p:par>
-    </p:tnLst>
-  </p:timing>
 </p:sldLayout>
 </file>
 
@@ -9219,7 +9131,7 @@
                 <a:spcPct val="0"/>
               </a:spcAft>
             </a:pPr>
-            <a:endParaRPr lang="en-US" sz="2400" dirty="0" err="1" smtClean="0">
+            <a:endParaRPr lang="en-US" sz="2400" dirty="0" err="1">
               <a:gradFill>
                 <a:gsLst>
                   <a:gs pos="0">
@@ -9352,15 +9264,7 @@
           <a:p>
             <a:r>
               <a:rPr lang="en-US" dirty="0"/>
-              <a:t>Click to edit Master </a:t>
-            </a:r>
-            <a:r>
-              <a:rPr lang="en-US" dirty="0" smtClean="0"/>
-              <a:t>subtitle </a:t>
-            </a:r>
-            <a:r>
-              <a:rPr lang="en-US" dirty="0"/>
-              <a:t>style</a:t>
+              <a:t>Click to edit Master subtitle style</a:t>
             </a:r>
           </a:p>
         </p:txBody>
@@ -9402,7 +9306,7 @@
             <a:fld id="{1C2D31DE-C454-491C-B5C3-F097855E3DF7}" type="datetime4">
               <a:rPr lang="en-US" smtClean="0"/>
               <a:pPr/>
-              <a:t>January 21, 2020</a:t>
+              <a:t>January 20, 2021</a:t>
             </a:fld>
             <a:endParaRPr lang="en-US" dirty="0"/>
           </a:p>
@@ -12476,17 +12380,16 @@
           <a:p>
             <a:pPr lvl="0"/>
             <a:r>
-              <a:rPr lang="en-US" dirty="0" smtClean="0"/>
+              <a:rPr lang="en-US" dirty="0"/>
               <a:t>Presenter Name</a:t>
             </a:r>
             <a:br>
-              <a:rPr lang="en-US" dirty="0" smtClean="0"/>
+              <a:rPr lang="en-US" dirty="0"/>
             </a:br>
             <a:r>
-              <a:rPr lang="en-US" dirty="0" smtClean="0"/>
+              <a:rPr lang="en-US" dirty="0"/>
               <a:t>Presenter Title</a:t>
             </a:r>
-            <a:endParaRPr lang="en-US" dirty="0"/>
           </a:p>
         </p:txBody>
       </p:sp>
@@ -12503,13 +12406,6 @@
   <p:transition>
     <p:fade/>
   </p:transition>
-  <p:timing>
-    <p:tnLst>
-      <p:par>
-        <p:cTn id="1" dur="indefinite" restart="never" nodeType="tmRoot"/>
-      </p:par>
-    </p:tnLst>
-  </p:timing>
   <p:hf sldNum="0" hdr="0" ftr="0"/>
 </p:sldLayout>
 </file>
@@ -12562,7 +12458,7 @@
           <a:p>
             <a:fld id="{5958763E-B898-436D-883D-03711491D54A}" type="datetimeFigureOut">
               <a:rPr lang="en-US" smtClean="0"/>
-              <a:t>1/21/2020</a:t>
+              <a:t>1/20/2021</a:t>
             </a:fld>
             <a:endParaRPr lang="en-US"/>
           </a:p>
@@ -12635,13 +12531,6 @@
   <p:transition>
     <p:fade/>
   </p:transition>
-  <p:timing>
-    <p:tnLst>
-      <p:par>
-        <p:cTn id="1" dur="indefinite" restart="never" nodeType="tmRoot"/>
-      </p:par>
-    </p:tnLst>
-  </p:timing>
 </p:sldLayout>
 </file>
 
@@ -12693,7 +12582,7 @@
           <a:p>
             <a:fld id="{5958763E-B898-436D-883D-03711491D54A}" type="datetimeFigureOut">
               <a:rPr lang="en-US" smtClean="0"/>
-              <a:t>1/21/2020</a:t>
+              <a:t>1/20/2021</a:t>
             </a:fld>
             <a:endParaRPr lang="en-US"/>
           </a:p>
@@ -12766,13 +12655,6 @@
   <p:transition>
     <p:fade/>
   </p:transition>
-  <p:timing>
-    <p:tnLst>
-      <p:par>
-        <p:cTn id="1" dur="indefinite" restart="never" nodeType="tmRoot"/>
-      </p:par>
-    </p:tnLst>
-  </p:timing>
 </p:sldLayout>
 </file>
 
@@ -12824,7 +12706,7 @@
           <a:p>
             <a:fld id="{5958763E-B898-436D-883D-03711491D54A}" type="datetimeFigureOut">
               <a:rPr lang="en-US" smtClean="0"/>
-              <a:t>1/21/2020</a:t>
+              <a:t>1/20/2021</a:t>
             </a:fld>
             <a:endParaRPr lang="en-US"/>
           </a:p>
@@ -12897,13 +12779,6 @@
   <p:transition>
     <p:fade/>
   </p:transition>
-  <p:timing>
-    <p:tnLst>
-      <p:par>
-        <p:cTn id="1" dur="indefinite" restart="never" nodeType="tmRoot"/>
-      </p:par>
-    </p:tnLst>
-  </p:timing>
 </p:sldLayout>
 </file>
 
@@ -12955,7 +12830,7 @@
           <a:p>
             <a:fld id="{5958763E-B898-436D-883D-03711491D54A}" type="datetimeFigureOut">
               <a:rPr lang="en-US" smtClean="0"/>
-              <a:t>1/21/2020</a:t>
+              <a:t>1/20/2021</a:t>
             </a:fld>
             <a:endParaRPr lang="en-US"/>
           </a:p>
@@ -13028,13 +12903,6 @@
   <p:transition>
     <p:fade/>
   </p:transition>
-  <p:timing>
-    <p:tnLst>
-      <p:par>
-        <p:cTn id="1" dur="indefinite" restart="never" nodeType="tmRoot"/>
-      </p:par>
-    </p:tnLst>
-  </p:timing>
 </p:sldLayout>
 </file>
 
@@ -13086,7 +12954,7 @@
           <a:p>
             <a:fld id="{5958763E-B898-436D-883D-03711491D54A}" type="datetimeFigureOut">
               <a:rPr lang="en-US" smtClean="0"/>
-              <a:t>1/21/2020</a:t>
+              <a:t>1/20/2021</a:t>
             </a:fld>
             <a:endParaRPr lang="en-US"/>
           </a:p>
@@ -13159,13 +13027,6 @@
   <p:transition>
     <p:fade/>
   </p:transition>
-  <p:timing>
-    <p:tnLst>
-      <p:par>
-        <p:cTn id="1" dur="indefinite" restart="never" nodeType="tmRoot"/>
-      </p:par>
-    </p:tnLst>
-  </p:timing>
 </p:sldLayout>
 </file>
 
@@ -13217,7 +13078,7 @@
           <a:p>
             <a:fld id="{5958763E-B898-436D-883D-03711491D54A}" type="datetimeFigureOut">
               <a:rPr lang="en-US" smtClean="0"/>
-              <a:t>1/21/2020</a:t>
+              <a:t>1/20/2021</a:t>
             </a:fld>
             <a:endParaRPr lang="en-US"/>
           </a:p>
@@ -13290,13 +13151,6 @@
   <p:transition>
     <p:fade/>
   </p:transition>
-  <p:timing>
-    <p:tnLst>
-      <p:par>
-        <p:cTn id="1" dur="indefinite" restart="never" nodeType="tmRoot"/>
-      </p:par>
-    </p:tnLst>
-  </p:timing>
 </p:sldLayout>
 </file>
 
@@ -13348,7 +13202,7 @@
           <a:p>
             <a:fld id="{5958763E-B898-436D-883D-03711491D54A}" type="datetimeFigureOut">
               <a:rPr lang="en-US" smtClean="0"/>
-              <a:t>1/21/2020</a:t>
+              <a:t>1/20/2021</a:t>
             </a:fld>
             <a:endParaRPr lang="en-US"/>
           </a:p>
@@ -13421,13 +13275,6 @@
   <p:transition>
     <p:fade/>
   </p:transition>
-  <p:timing>
-    <p:tnLst>
-      <p:par>
-        <p:cTn id="1" dur="indefinite" restart="never" nodeType="tmRoot"/>
-      </p:par>
-    </p:tnLst>
-  </p:timing>
 </p:sldLayout>
 </file>
 
@@ -13479,7 +13326,7 @@
           <a:p>
             <a:fld id="{5958763E-B898-436D-883D-03711491D54A}" type="datetimeFigureOut">
               <a:rPr lang="en-US" smtClean="0"/>
-              <a:t>1/21/2020</a:t>
+              <a:t>1/20/2021</a:t>
             </a:fld>
             <a:endParaRPr lang="en-US"/>
           </a:p>
@@ -13552,13 +13399,6 @@
   <p:transition>
     <p:fade/>
   </p:transition>
-  <p:timing>
-    <p:tnLst>
-      <p:par>
-        <p:cTn id="1" dur="indefinite" restart="never" nodeType="tmRoot"/>
-      </p:par>
-    </p:tnLst>
-  </p:timing>
 </p:sldLayout>
 </file>
 
@@ -13619,7 +13459,7 @@
           <a:p>
             <a:fld id="{5958763E-B898-436D-883D-03711491D54A}" type="datetimeFigureOut">
               <a:rPr lang="en-US" smtClean="0"/>
-              <a:t>1/21/2020</a:t>
+              <a:t>1/20/2021</a:t>
             </a:fld>
             <a:endParaRPr lang="en-US"/>
           </a:p>
@@ -13692,13 +13532,6 @@
   <p:transition>
     <p:fade/>
   </p:transition>
-  <p:timing>
-    <p:tnLst>
-      <p:par>
-        <p:cTn id="1" dur="indefinite" restart="never" nodeType="tmRoot"/>
-      </p:par>
-    </p:tnLst>
-  </p:timing>
 </p:sldLayout>
 </file>
 
@@ -16700,13 +16533,6 @@
   <p:transition>
     <p:fade/>
   </p:transition>
-  <p:timing>
-    <p:tnLst>
-      <p:par>
-        <p:cTn id="1" dur="indefinite" restart="never" nodeType="tmRoot"/>
-      </p:par>
-    </p:tnLst>
-  </p:timing>
 </p:sldLayout>
 </file>
 
@@ -16794,7 +16620,7 @@
                 <a:spcPct val="0"/>
               </a:spcAft>
             </a:pPr>
-            <a:endParaRPr lang="en-US" sz="2400" dirty="0" err="1" smtClean="0">
+            <a:endParaRPr lang="en-US" sz="2400" dirty="0" err="1">
               <a:gradFill>
                 <a:gsLst>
                   <a:gs pos="0">
@@ -16930,15 +16756,7 @@
           <a:p>
             <a:r>
               <a:rPr lang="en-US" dirty="0"/>
-              <a:t>Click to edit Master </a:t>
-            </a:r>
-            <a:r>
-              <a:rPr lang="en-US" dirty="0" smtClean="0"/>
-              <a:t>subtitle </a:t>
-            </a:r>
-            <a:r>
-              <a:rPr lang="en-US" dirty="0"/>
-              <a:t>style</a:t>
+              <a:t>Click to edit Master subtitle style</a:t>
             </a:r>
           </a:p>
         </p:txBody>
@@ -16980,7 +16798,7 @@
             <a:fld id="{1C2D31DE-C454-491C-B5C3-F097855E3DF7}" type="datetime4">
               <a:rPr lang="en-US" smtClean="0"/>
               <a:pPr/>
-              <a:t>January 21, 2020</a:t>
+              <a:t>January 20, 2021</a:t>
             </a:fld>
             <a:endParaRPr lang="en-US" dirty="0"/>
           </a:p>
@@ -20062,17 +19880,16 @@
           <a:p>
             <a:pPr lvl="0"/>
             <a:r>
-              <a:rPr lang="en-US" dirty="0" smtClean="0"/>
+              <a:rPr lang="en-US" dirty="0"/>
               <a:t>Presenter Name</a:t>
             </a:r>
             <a:br>
-              <a:rPr lang="en-US" dirty="0" smtClean="0"/>
+              <a:rPr lang="en-US" dirty="0"/>
             </a:br>
             <a:r>
-              <a:rPr lang="en-US" dirty="0" smtClean="0"/>
+              <a:rPr lang="en-US" dirty="0"/>
               <a:t>Presenter Title</a:t>
             </a:r>
-            <a:endParaRPr lang="en-US" dirty="0"/>
           </a:p>
         </p:txBody>
       </p:sp>
@@ -20089,13 +19906,6 @@
   <p:transition>
     <p:fade/>
   </p:transition>
-  <p:timing>
-    <p:tnLst>
-      <p:par>
-        <p:cTn id="1" dur="indefinite" restart="never" nodeType="tmRoot"/>
-      </p:par>
-    </p:tnLst>
-  </p:timing>
   <p:hf sldNum="0" hdr="0" ftr="0"/>
 </p:sldLayout>
 </file>
@@ -27605,10 +27415,9 @@
           <a:p>
             <a:pPr lvl="0"/>
             <a:r>
-              <a:rPr lang="en-US" dirty="0" smtClean="0"/>
+              <a:rPr lang="en-US" dirty="0"/>
               <a:t>&lt;Call to action&gt;</a:t>
             </a:r>
-            <a:endParaRPr lang="en-US" dirty="0"/>
           </a:p>
         </p:txBody>
       </p:sp>
@@ -29225,7 +29034,7 @@
           <a:p>
             <a:fld id="{5958763E-B898-436D-883D-03711491D54A}" type="datetimeFigureOut">
               <a:rPr lang="en-US" smtClean="0"/>
-              <a:t>1/21/2020</a:t>
+              <a:t>1/20/2021</a:t>
             </a:fld>
             <a:endParaRPr lang="en-US"/>
           </a:p>
@@ -29352,7 +29161,7 @@
                 <a:spcPct val="0"/>
               </a:spcAft>
             </a:pPr>
-            <a:endParaRPr lang="en-US" sz="2400" dirty="0" err="1" smtClean="0">
+            <a:endParaRPr lang="en-US" sz="2400" dirty="0" err="1">
               <a:gradFill>
                 <a:gsLst>
                   <a:gs pos="0">
@@ -29383,13 +29192,6 @@
   <p:transition>
     <p:fade/>
   </p:transition>
-  <p:timing>
-    <p:tnLst>
-      <p:par>
-        <p:cTn id="1" dur="indefinite" restart="never" nodeType="tmRoot"/>
-      </p:par>
-    </p:tnLst>
-  </p:timing>
 </p:sldLayout>
 </file>
 
@@ -29634,7 +29436,7 @@
           <a:p>
             <a:fld id="{5958763E-B898-436D-883D-03711491D54A}" type="datetimeFigureOut">
               <a:rPr lang="en-US" smtClean="0"/>
-              <a:t>1/21/2020</a:t>
+              <a:t>1/20/2021</a:t>
             </a:fld>
             <a:endParaRPr lang="en-US"/>
           </a:p>
@@ -29707,13 +29509,6 @@
   <p:transition>
     <p:fade/>
   </p:transition>
-  <p:timing>
-    <p:tnLst>
-      <p:par>
-        <p:cTn id="1" dur="indefinite" restart="never" nodeType="tmRoot"/>
-      </p:par>
-    </p:tnLst>
-  </p:timing>
 </p:sldLayout>
 </file>
 
@@ -29935,7 +29730,7 @@
           <a:p>
             <a:fld id="{5958763E-B898-436D-883D-03711491D54A}" type="datetimeFigureOut">
               <a:rPr lang="en-US" smtClean="0"/>
-              <a:t>1/21/2020</a:t>
+              <a:t>1/20/2021</a:t>
             </a:fld>
             <a:endParaRPr lang="en-US"/>
           </a:p>
@@ -30008,13 +29803,6 @@
   <p:transition>
     <p:fade/>
   </p:transition>
-  <p:timing>
-    <p:tnLst>
-      <p:par>
-        <p:cTn id="1" dur="indefinite" restart="never" nodeType="tmRoot"/>
-      </p:par>
-    </p:tnLst>
-  </p:timing>
 </p:sldLayout>
 </file>
 
@@ -30143,7 +29931,7 @@
           <a:p>
             <a:fld id="{5958763E-B898-436D-883D-03711491D54A}" type="datetimeFigureOut">
               <a:rPr lang="en-US" smtClean="0"/>
-              <a:t>1/21/2020</a:t>
+              <a:t>1/20/2021</a:t>
             </a:fld>
             <a:endParaRPr lang="en-US"/>
           </a:p>
@@ -30266,13 +30054,6 @@
   <p:transition>
     <p:fade/>
   </p:transition>
-  <p:timing>
-    <p:tnLst>
-      <p:par>
-        <p:cTn id="1" dur="indefinite" restart="never" nodeType="tmRoot"/>
-      </p:par>
-    </p:tnLst>
-  </p:timing>
 </p:sldLayout>
 </file>
 
@@ -30411,7 +30192,7 @@
           <a:p>
             <a:fld id="{5958763E-B898-436D-883D-03711491D54A}" type="datetimeFigureOut">
               <a:rPr lang="en-US" smtClean="0"/>
-              <a:t>1/21/2020</a:t>
+              <a:t>1/20/2021</a:t>
             </a:fld>
             <a:endParaRPr lang="en-US"/>
           </a:p>
@@ -30538,13 +30319,6 @@
   <p:transition>
     <p:fade/>
   </p:transition>
-  <p:timing>
-    <p:tnLst>
-      <p:par>
-        <p:cTn id="1" dur="indefinite" restart="never" nodeType="tmRoot"/>
-      </p:par>
-    </p:tnLst>
-  </p:timing>
 </p:sldLayout>
 </file>
 
@@ -30706,7 +30480,7 @@
                 <a:spcPct val="0"/>
               </a:spcAft>
             </a:pPr>
-            <a:endParaRPr lang="en-US" sz="2400" dirty="0" err="1" smtClean="0">
+            <a:endParaRPr lang="en-US" sz="2400" dirty="0" err="1">
               <a:gradFill>
                 <a:gsLst>
                   <a:gs pos="0">
@@ -30757,10 +30531,9 @@
           </a:lstStyle>
           <a:p>
             <a:r>
-              <a:rPr lang="en-US" dirty="0" smtClean="0"/>
+              <a:rPr lang="en-US" dirty="0"/>
               <a:t>Type “Agenda”</a:t>
             </a:r>
-            <a:endParaRPr lang="en-US" dirty="0"/>
           </a:p>
         </p:txBody>
       </p:sp>
@@ -30884,24 +30657,23 @@
           <a:p>
             <a:pPr lvl="0"/>
             <a:r>
-              <a:rPr lang="en-US" dirty="0" smtClean="0"/>
+              <a:rPr lang="en-US" dirty="0"/>
               <a:t>Item 1</a:t>
             </a:r>
           </a:p>
           <a:p>
             <a:pPr lvl="0"/>
             <a:r>
-              <a:rPr lang="en-US" dirty="0" smtClean="0"/>
+              <a:rPr lang="en-US" dirty="0"/>
               <a:t>Item 2</a:t>
             </a:r>
           </a:p>
           <a:p>
             <a:pPr lvl="0"/>
             <a:r>
-              <a:rPr lang="en-US" dirty="0" smtClean="0"/>
+              <a:rPr lang="en-US" dirty="0"/>
               <a:t>Item 3</a:t>
             </a:r>
-            <a:endParaRPr lang="en-US" dirty="0"/>
           </a:p>
         </p:txBody>
       </p:sp>
@@ -30928,7 +30700,7 @@
           <a:p>
             <a:fld id="{5958763E-B898-436D-883D-03711491D54A}" type="datetimeFigureOut">
               <a:rPr lang="en-US" smtClean="0"/>
-              <a:t>1/21/2020</a:t>
+              <a:t>1/20/2021</a:t>
             </a:fld>
             <a:endParaRPr lang="en-US"/>
           </a:p>
@@ -31035,13 +30807,6 @@
   <p:transition>
     <p:fade/>
   </p:transition>
-  <p:timing>
-    <p:tnLst>
-      <p:par>
-        <p:cTn id="1" dur="indefinite" restart="never" nodeType="tmRoot"/>
-      </p:par>
-    </p:tnLst>
-  </p:timing>
 </p:sldLayout>
 </file>
 
@@ -31203,7 +30968,7 @@
                 <a:spcPct val="0"/>
               </a:spcAft>
             </a:pPr>
-            <a:endParaRPr lang="en-US" sz="2400" dirty="0" err="1" smtClean="0">
+            <a:endParaRPr lang="en-US" sz="2400" dirty="0" err="1">
               <a:gradFill>
                 <a:gsLst>
                   <a:gs pos="0">
@@ -31256,10 +31021,9 @@
           </a:lstStyle>
           <a:p>
             <a:r>
-              <a:rPr lang="en-US" dirty="0" smtClean="0"/>
+              <a:rPr lang="en-US" dirty="0"/>
               <a:t>Notable Quote</a:t>
             </a:r>
-            <a:endParaRPr lang="en-US" dirty="0"/>
           </a:p>
         </p:txBody>
       </p:sp>
@@ -31386,10 +31150,9 @@
           <a:p>
             <a:pPr lvl="0"/>
             <a:r>
-              <a:rPr lang="en-US" dirty="0" smtClean="0"/>
+              <a:rPr lang="en-US" dirty="0"/>
               <a:t>– Attribution</a:t>
             </a:r>
-            <a:endParaRPr lang="en-US" dirty="0"/>
           </a:p>
         </p:txBody>
       </p:sp>
@@ -31416,7 +31179,7 @@
           <a:p>
             <a:fld id="{5958763E-B898-436D-883D-03711491D54A}" type="datetimeFigureOut">
               <a:rPr lang="en-US" smtClean="0"/>
-              <a:t>1/21/2020</a:t>
+              <a:t>1/20/2021</a:t>
             </a:fld>
             <a:endParaRPr lang="en-US"/>
           </a:p>
@@ -32164,13 +31927,6 @@
   <p:transition>
     <p:fade/>
   </p:transition>
-  <p:timing>
-    <p:tnLst>
-      <p:par>
-        <p:cTn id="1" dur="indefinite" restart="never" nodeType="tmRoot"/>
-      </p:par>
-    </p:tnLst>
-  </p:timing>
 </p:sldLayout>
 </file>
 
@@ -32242,7 +31998,7 @@
           <a:p>
             <a:fld id="{5958763E-B898-436D-883D-03711491D54A}" type="datetimeFigureOut">
               <a:rPr lang="en-US" smtClean="0"/>
-              <a:t>1/21/2020</a:t>
+              <a:t>1/20/2021</a:t>
             </a:fld>
             <a:endParaRPr lang="en-US"/>
           </a:p>
@@ -32315,13 +32071,6 @@
   <p:transition>
     <p:fade/>
   </p:transition>
-  <p:timing>
-    <p:tnLst>
-      <p:par>
-        <p:cTn id="1" dur="indefinite" restart="never" nodeType="tmRoot"/>
-      </p:par>
-    </p:tnLst>
-  </p:timing>
 </p:sldLayout>
 </file>
 
@@ -32450,7 +32199,7 @@
           <a:p>
             <a:fld id="{5958763E-B898-436D-883D-03711491D54A}" type="datetimeFigureOut">
               <a:rPr lang="en-US" smtClean="0"/>
-              <a:t>1/21/2020</a:t>
+              <a:t>1/20/2021</a:t>
             </a:fld>
             <a:endParaRPr lang="en-US"/>
           </a:p>
@@ -32573,13 +32322,6 @@
   <p:transition>
     <p:fade/>
   </p:transition>
-  <p:timing>
-    <p:tnLst>
-      <p:par>
-        <p:cTn id="1" dur="indefinite" restart="never" nodeType="tmRoot"/>
-      </p:par>
-    </p:tnLst>
-  </p:timing>
 </p:sldLayout>
 </file>
 
@@ -32792,7 +32534,7 @@
           <a:p>
             <a:fld id="{5958763E-B898-436D-883D-03711491D54A}" type="datetimeFigureOut">
               <a:rPr lang="en-US" smtClean="0"/>
-              <a:t>1/21/2020</a:t>
+              <a:t>1/20/2021</a:t>
             </a:fld>
             <a:endParaRPr lang="en-US"/>
           </a:p>
@@ -32865,13 +32607,6 @@
   <p:transition>
     <p:fade/>
   </p:transition>
-  <p:timing>
-    <p:tnLst>
-      <p:par>
-        <p:cTn id="1" dur="indefinite" restart="never" nodeType="tmRoot"/>
-      </p:par>
-    </p:tnLst>
-  </p:timing>
 </p:sldLayout>
 </file>
 
@@ -33029,7 +32764,7 @@
           <a:p>
             <a:fld id="{5958763E-B898-436D-883D-03711491D54A}" type="datetimeFigureOut">
               <a:rPr lang="en-US" smtClean="0"/>
-              <a:t>1/21/2020</a:t>
+              <a:t>1/20/2021</a:t>
             </a:fld>
             <a:endParaRPr lang="en-US"/>
           </a:p>
@@ -33102,13 +32837,6 @@
   <p:transition>
     <p:fade/>
   </p:transition>
-  <p:timing>
-    <p:tnLst>
-      <p:par>
-        <p:cTn id="1" dur="indefinite" restart="never" nodeType="tmRoot"/>
-      </p:par>
-    </p:tnLst>
-  </p:timing>
 </p:sldLayout>
 </file>
 
@@ -33280,7 +33008,7 @@
           <a:p>
             <a:fld id="{5958763E-B898-436D-883D-03711491D54A}" type="datetimeFigureOut">
               <a:rPr lang="en-US" smtClean="0"/>
-              <a:t>1/21/2020</a:t>
+              <a:t>1/20/2021</a:t>
             </a:fld>
             <a:endParaRPr lang="en-US"/>
           </a:p>
@@ -33426,13 +33154,6 @@
   <p:transition>
     <p:fade/>
   </p:transition>
-  <p:timing>
-    <p:tnLst>
-      <p:par>
-        <p:cTn id="1" dur="indefinite" restart="never" nodeType="tmRoot"/>
-      </p:par>
-    </p:tnLst>
-  </p:timing>
   <p:txStyles>
     <p:titleStyle>
       <a:lvl1pPr algn="l" defTabSz="914400" rtl="0" eaLnBrk="1" latinLnBrk="0" hangingPunct="1">
@@ -33737,7 +33458,7 @@
       </a:lvl9pPr>
     </p:otherStyle>
   </p:txStyles>
-  <p:extLst mod="1">
+  <p:extLst>
     <p:ext uri="{27BBF7A9-308A-43DC-89C8-2F10F3537804}">
       <p15:sldGuideLst xmlns:p15="http://schemas.microsoft.com/office/powerpoint/2012/main">
         <p15:guide id="1" orient="horz" pos="2160" userDrawn="1">
@@ -33816,10 +33537,9 @@
           <a:lstStyle/>
           <a:p>
             <a:r>
-              <a:rPr lang="en-US" sz="6600" dirty="0" smtClean="0"/>
+              <a:rPr lang="en-US" sz="6600" dirty="0"/>
               <a:t>Databases Overview</a:t>
             </a:r>
-            <a:endParaRPr lang="en-US" sz="6600" dirty="0"/>
           </a:p>
         </p:txBody>
       </p:sp>
@@ -33844,10 +33564,9 @@
           <a:lstStyle/>
           <a:p>
             <a:r>
-              <a:rPr lang="en-US" dirty="0" smtClean="0"/>
+              <a:rPr lang="en-US" dirty="0"/>
               <a:t>Hy-Tech Club: Web 201</a:t>
             </a:r>
-            <a:endParaRPr lang="en-US" dirty="0"/>
           </a:p>
         </p:txBody>
       </p:sp>
@@ -36832,13 +36551,6 @@
   <p:transition>
     <p:fade/>
   </p:transition>
-  <p:timing>
-    <p:tnLst>
-      <p:par>
-        <p:cTn id="1" dur="indefinite" restart="never" nodeType="tmRoot"/>
-      </p:par>
-    </p:tnLst>
-  </p:timing>
 </p:sld>
 </file>
 
@@ -36875,10 +36587,9 @@
           <a:lstStyle/>
           <a:p>
             <a:r>
-              <a:rPr lang="en-US" dirty="0" smtClean="0"/>
+              <a:rPr lang="en-US" dirty="0"/>
               <a:t>SQL Select – With Constraints (WHERE)</a:t>
             </a:r>
-            <a:endParaRPr lang="en-US" dirty="0"/>
           </a:p>
         </p:txBody>
       </p:sp>
@@ -37037,7 +36748,7 @@
           <a:lstStyle/>
           <a:p>
             <a:r>
-              <a:rPr lang="en-US" sz="3200" dirty="0" smtClean="0">
+              <a:rPr lang="en-US" sz="3200" dirty="0">
                 <a:solidFill>
                   <a:schemeClr val="accent2"/>
                 </a:solidFill>
@@ -37048,7 +36759,7 @@
           </a:p>
           <a:p>
             <a:r>
-              <a:rPr lang="en-US" sz="3200" dirty="0" smtClean="0">
+              <a:rPr lang="en-US" sz="3200" dirty="0">
                 <a:solidFill>
                   <a:srgbClr val="000000"/>
                 </a:solidFill>
@@ -37056,12 +36767,6 @@
               </a:rPr>
               <a:t>[</a:t>
             </a:r>
-            <a:endParaRPr lang="en-US" sz="3200" dirty="0">
-              <a:solidFill>
-                <a:srgbClr val="000000"/>
-              </a:solidFill>
-              <a:latin typeface="Consolas" panose="020B0609020204030204" pitchFamily="49" charset="0"/>
-            </a:endParaRPr>
           </a:p>
           <a:p>
             <a:r>
@@ -37071,25 +36776,7 @@
                 </a:solidFill>
                 <a:latin typeface="Consolas" panose="020B0609020204030204" pitchFamily="49" charset="0"/>
               </a:rPr>
-              <a:t>  </a:t>
-            </a:r>
-            <a:r>
-              <a:rPr lang="en-US" sz="3200" dirty="0" smtClean="0">
-                <a:solidFill>
-                  <a:srgbClr val="000000"/>
-                </a:solidFill>
-                <a:latin typeface="Consolas" panose="020B0609020204030204" pitchFamily="49" charset="0"/>
-              </a:rPr>
-              <a:t>{</a:t>
-            </a:r>
-            <a:r>
-              <a:rPr lang="en-US" sz="3200" dirty="0">
-                <a:solidFill>
-                  <a:srgbClr val="000000"/>
-                </a:solidFill>
-                <a:latin typeface="Consolas" panose="020B0609020204030204" pitchFamily="49" charset="0"/>
-              </a:rPr>
-              <a:t> </a:t>
+              <a:t>  { </a:t>
             </a:r>
             <a:r>
               <a:rPr lang="en-US" sz="3200" dirty="0">
@@ -37146,7 +36833,7 @@
               <a:t> </a:t>
             </a:r>
             <a:r>
-              <a:rPr lang="en-US" sz="3200" dirty="0" smtClean="0">
+              <a:rPr lang="en-US" sz="3200" dirty="0">
                 <a:solidFill>
                   <a:srgbClr val="09885A"/>
                 </a:solidFill>
@@ -37172,25 +36859,7 @@
                 </a:solidFill>
                 <a:latin typeface="Consolas" panose="020B0609020204030204" pitchFamily="49" charset="0"/>
               </a:rPr>
-              <a:t>  </a:t>
-            </a:r>
-            <a:r>
-              <a:rPr lang="en-US" sz="3200" dirty="0" smtClean="0">
-                <a:solidFill>
-                  <a:srgbClr val="000000"/>
-                </a:solidFill>
-                <a:latin typeface="Consolas" panose="020B0609020204030204" pitchFamily="49" charset="0"/>
-              </a:rPr>
-              <a:t>{</a:t>
-            </a:r>
-            <a:r>
-              <a:rPr lang="en-US" sz="3200" dirty="0">
-                <a:solidFill>
-                  <a:srgbClr val="000000"/>
-                </a:solidFill>
-                <a:latin typeface="Consolas" panose="020B0609020204030204" pitchFamily="49" charset="0"/>
-              </a:rPr>
-              <a:t> </a:t>
+              <a:t>  { </a:t>
             </a:r>
             <a:r>
               <a:rPr lang="en-US" sz="3200" dirty="0">
@@ -37247,7 +36916,7 @@
               <a:t> </a:t>
             </a:r>
             <a:r>
-              <a:rPr lang="en-US" sz="3200" dirty="0" smtClean="0">
+              <a:rPr lang="en-US" sz="3200" dirty="0">
                 <a:solidFill>
                   <a:srgbClr val="09885A"/>
                 </a:solidFill>
@@ -37262,16 +36931,7 @@
                 </a:solidFill>
                 <a:latin typeface="Consolas" panose="020B0609020204030204" pitchFamily="49" charset="0"/>
               </a:rPr>
-              <a:t> </a:t>
-            </a:r>
-            <a:r>
-              <a:rPr lang="en-US" sz="3200" dirty="0" smtClean="0">
-                <a:solidFill>
-                  <a:srgbClr val="000000"/>
-                </a:solidFill>
-                <a:latin typeface="Consolas" panose="020B0609020204030204" pitchFamily="49" charset="0"/>
-              </a:rPr>
-              <a:t>},</a:t>
+              <a:t> },</a:t>
             </a:r>
           </a:p>
           <a:p>
@@ -37282,25 +36942,7 @@
                 </a:solidFill>
                 <a:latin typeface="Consolas" panose="020B0609020204030204" pitchFamily="49" charset="0"/>
               </a:rPr>
-              <a:t> </a:t>
-            </a:r>
-            <a:r>
-              <a:rPr lang="en-US" sz="3200" dirty="0" smtClean="0">
-                <a:solidFill>
-                  <a:srgbClr val="000000"/>
-                </a:solidFill>
-                <a:latin typeface="Consolas" panose="020B0609020204030204" pitchFamily="49" charset="0"/>
-              </a:rPr>
-              <a:t> {</a:t>
-            </a:r>
-            <a:r>
-              <a:rPr lang="en-US" sz="3200" dirty="0">
-                <a:solidFill>
-                  <a:srgbClr val="000000"/>
-                </a:solidFill>
-                <a:latin typeface="Consolas" panose="020B0609020204030204" pitchFamily="49" charset="0"/>
-              </a:rPr>
-              <a:t> </a:t>
+              <a:t>  { </a:t>
             </a:r>
             <a:r>
               <a:rPr lang="en-US" sz="3200" dirty="0">
@@ -37357,7 +36999,7 @@
               <a:t> </a:t>
             </a:r>
             <a:r>
-              <a:rPr lang="en-US" sz="3200" dirty="0" smtClean="0">
+              <a:rPr lang="en-US" sz="3200" dirty="0">
                 <a:solidFill>
                   <a:srgbClr val="09885A"/>
                 </a:solidFill>
@@ -37383,25 +37025,7 @@
                 </a:solidFill>
                 <a:latin typeface="Consolas" panose="020B0609020204030204" pitchFamily="49" charset="0"/>
               </a:rPr>
-              <a:t>  </a:t>
-            </a:r>
-            <a:r>
-              <a:rPr lang="en-US" sz="3200" dirty="0" smtClean="0">
-                <a:solidFill>
-                  <a:srgbClr val="000000"/>
-                </a:solidFill>
-                <a:latin typeface="Consolas" panose="020B0609020204030204" pitchFamily="49" charset="0"/>
-              </a:rPr>
-              <a:t>{</a:t>
-            </a:r>
-            <a:r>
-              <a:rPr lang="en-US" sz="3200" dirty="0">
-                <a:solidFill>
-                  <a:srgbClr val="000000"/>
-                </a:solidFill>
-                <a:latin typeface="Consolas" panose="020B0609020204030204" pitchFamily="49" charset="0"/>
-              </a:rPr>
-              <a:t> </a:t>
+              <a:t>  { </a:t>
             </a:r>
             <a:r>
               <a:rPr lang="en-US" sz="3200" dirty="0">
@@ -37458,7 +37082,7 @@
               <a:t> </a:t>
             </a:r>
             <a:r>
-              <a:rPr lang="en-US" sz="3200" dirty="0" smtClean="0">
+              <a:rPr lang="en-US" sz="3200" dirty="0">
                 <a:solidFill>
                   <a:srgbClr val="09885A"/>
                 </a:solidFill>
@@ -37496,7 +37120,7 @@
                 <a:spcPts val="600"/>
               </a:spcAft>
             </a:pPr>
-            <a:endParaRPr lang="en-US" sz="2400" dirty="0" err="1" smtClean="0">
+            <a:endParaRPr lang="en-US" sz="2400" dirty="0" err="1">
               <a:gradFill>
                 <a:gsLst>
                   <a:gs pos="2917">
@@ -37693,10 +37317,9 @@
           <a:lstStyle/>
           <a:p>
             <a:r>
-              <a:rPr lang="en-US" dirty="0" smtClean="0"/>
+              <a:rPr lang="en-US" dirty="0"/>
               <a:t>SQL Update</a:t>
             </a:r>
-            <a:endParaRPr lang="en-US" dirty="0"/>
           </a:p>
         </p:txBody>
       </p:sp>
@@ -37833,30 +37456,10 @@
                 <a:latin typeface="Courier New" panose="02070309020205020404" pitchFamily="49" charset="0"/>
                 <a:cs typeface="Courier New" panose="02070309020205020404" pitchFamily="49" charset="0"/>
               </a:rPr>
-              <a:t>"</a:t>
-            </a:r>
-            <a:r>
-              <a:rPr lang="en-US" b="1" dirty="0" smtClean="0">
-                <a:solidFill>
-                  <a:srgbClr val="A31515"/>
-                </a:solidFill>
-                <a:latin typeface="Courier New" panose="02070309020205020404" pitchFamily="49" charset="0"/>
-                <a:cs typeface="Courier New" panose="02070309020205020404" pitchFamily="49" charset="0"/>
-              </a:rPr>
-              <a:t>Pixels</a:t>
+              <a:t>"Pixels"</a:t>
             </a:r>
             <a:r>
               <a:rPr lang="en-US" b="1" dirty="0">
-                <a:solidFill>
-                  <a:srgbClr val="A31515"/>
-                </a:solidFill>
-                <a:latin typeface="Courier New" panose="02070309020205020404" pitchFamily="49" charset="0"/>
-                <a:cs typeface="Courier New" panose="02070309020205020404" pitchFamily="49" charset="0"/>
-              </a:rPr>
-              <a:t>"</a:t>
-            </a:r>
-            <a:r>
-              <a:rPr lang="en-US" b="1" dirty="0" smtClean="0">
                 <a:solidFill>
                   <a:srgbClr val="000000"/>
                 </a:solidFill>
@@ -37865,13 +37468,6 @@
               </a:rPr>
               <a:t>;</a:t>
             </a:r>
-            <a:endParaRPr lang="en-US" b="1" dirty="0">
-              <a:solidFill>
-                <a:srgbClr val="000000"/>
-              </a:solidFill>
-              <a:latin typeface="Courier New" panose="02070309020205020404" pitchFamily="49" charset="0"/>
-              <a:cs typeface="Courier New" panose="02070309020205020404" pitchFamily="49" charset="0"/>
-            </a:endParaRPr>
           </a:p>
         </p:txBody>
       </p:sp>
@@ -37936,10 +37532,9 @@
                     <a:lstStyle/>
                     <a:p>
                       <a:r>
-                        <a:rPr lang="en-US" sz="2400" dirty="0" smtClean="0"/>
+                        <a:rPr lang="en-US" sz="2400" dirty="0"/>
                         <a:t>Title</a:t>
                       </a:r>
-                      <a:endParaRPr lang="en-US" sz="2400" dirty="0"/>
                     </a:p>
                   </a:txBody>
                   <a:tcPr>
@@ -37956,10 +37551,9 @@
                     <a:lstStyle/>
                     <a:p>
                       <a:r>
-                        <a:rPr lang="en-US" sz="2400" dirty="0" smtClean="0"/>
+                        <a:rPr lang="en-US" sz="2400" dirty="0"/>
                         <a:t>Year</a:t>
                       </a:r>
-                      <a:endParaRPr lang="en-US" sz="2400" dirty="0"/>
                     </a:p>
                   </a:txBody>
                   <a:tcPr>
@@ -37976,10 +37570,9 @@
                     <a:lstStyle/>
                     <a:p>
                       <a:r>
-                        <a:rPr lang="en-US" sz="2400" dirty="0" smtClean="0"/>
+                        <a:rPr lang="en-US" sz="2400" dirty="0"/>
                         <a:t>Genre</a:t>
                       </a:r>
-                      <a:endParaRPr lang="en-US" sz="2400" dirty="0"/>
                     </a:p>
                   </a:txBody>
                   <a:tcPr>
@@ -37996,10 +37589,9 @@
                     <a:lstStyle/>
                     <a:p>
                       <a:r>
-                        <a:rPr lang="en-US" sz="2400" dirty="0" smtClean="0"/>
+                        <a:rPr lang="en-US" sz="2400" dirty="0"/>
                         <a:t>Director</a:t>
                       </a:r>
-                      <a:endParaRPr lang="en-US" sz="2400" dirty="0"/>
                     </a:p>
                   </a:txBody>
                   <a:tcPr>
@@ -38023,10 +37615,9 @@
                     <a:lstStyle/>
                     <a:p>
                       <a:r>
-                        <a:rPr lang="en-US" sz="2400" dirty="0" smtClean="0"/>
+                        <a:rPr lang="en-US" sz="2400" dirty="0"/>
                         <a:t>Billy Madison</a:t>
                       </a:r>
-                      <a:endParaRPr lang="en-US" sz="2400" dirty="0"/>
                     </a:p>
                   </a:txBody>
                   <a:tcPr/>
@@ -38037,10 +37628,9 @@
                     <a:lstStyle/>
                     <a:p>
                       <a:r>
-                        <a:rPr lang="en-US" sz="2400" dirty="0" smtClean="0"/>
+                        <a:rPr lang="en-US" sz="2400" dirty="0"/>
                         <a:t>1995</a:t>
                       </a:r>
-                      <a:endParaRPr lang="en-US" sz="2400" dirty="0"/>
                     </a:p>
                   </a:txBody>
                   <a:tcPr/>
@@ -38051,10 +37641,9 @@
                     <a:lstStyle/>
                     <a:p>
                       <a:r>
-                        <a:rPr lang="en-US" sz="2400" dirty="0" smtClean="0"/>
+                        <a:rPr lang="en-US" sz="2400" dirty="0"/>
                         <a:t>Comedy</a:t>
                       </a:r>
-                      <a:endParaRPr lang="en-US" sz="2400" dirty="0"/>
                     </a:p>
                   </a:txBody>
                   <a:tcPr/>
@@ -38065,11 +37654,11 @@
                     <a:lstStyle/>
                     <a:p>
                       <a:r>
-                        <a:rPr lang="en-US" sz="2400" dirty="0" err="1" smtClean="0"/>
+                        <a:rPr lang="en-US" sz="2400" dirty="0" err="1"/>
                         <a:t>Tamra</a:t>
                       </a:r>
                       <a:r>
-                        <a:rPr lang="en-US" sz="2400" baseline="0" dirty="0" smtClean="0"/>
+                        <a:rPr lang="en-US" sz="2400" baseline="0" dirty="0"/>
                         <a:t> Davis</a:t>
                       </a:r>
                       <a:endParaRPr lang="en-US" sz="2400" dirty="0"/>
@@ -38090,10 +37679,9 @@
                     <a:lstStyle/>
                     <a:p>
                       <a:r>
-                        <a:rPr lang="en-US" sz="2400" dirty="0" smtClean="0"/>
+                        <a:rPr lang="en-US" sz="2400" dirty="0"/>
                         <a:t>The Wedding Singer</a:t>
                       </a:r>
-                      <a:endParaRPr lang="en-US" sz="2400" dirty="0"/>
                     </a:p>
                   </a:txBody>
                   <a:tcPr/>
@@ -38104,10 +37692,9 @@
                     <a:lstStyle/>
                     <a:p>
                       <a:r>
-                        <a:rPr lang="en-US" sz="2400" dirty="0" smtClean="0"/>
+                        <a:rPr lang="en-US" sz="2400" dirty="0"/>
                         <a:t>1998</a:t>
                       </a:r>
-                      <a:endParaRPr lang="en-US" sz="2400" dirty="0"/>
                     </a:p>
                   </a:txBody>
                   <a:tcPr/>
@@ -38118,10 +37705,9 @@
                     <a:lstStyle/>
                     <a:p>
                       <a:r>
-                        <a:rPr lang="en-US" sz="2400" dirty="0" smtClean="0"/>
+                        <a:rPr lang="en-US" sz="2400" dirty="0"/>
                         <a:t>Comedy</a:t>
                       </a:r>
-                      <a:endParaRPr lang="en-US" sz="2400" dirty="0"/>
                     </a:p>
                   </a:txBody>
                   <a:tcPr/>
@@ -38132,11 +37718,11 @@
                     <a:lstStyle/>
                     <a:p>
                       <a:r>
-                        <a:rPr lang="en-US" sz="2400" dirty="0" smtClean="0"/>
+                        <a:rPr lang="en-US" sz="2400" dirty="0"/>
                         <a:t>Frank </a:t>
                       </a:r>
                       <a:r>
-                        <a:rPr lang="en-US" sz="2400" dirty="0" err="1" smtClean="0"/>
+                        <a:rPr lang="en-US" sz="2400" dirty="0" err="1"/>
                         <a:t>Coraci</a:t>
                       </a:r>
                       <a:endParaRPr lang="en-US" sz="2400" dirty="0"/>
@@ -38157,10 +37743,9 @@
                     <a:lstStyle/>
                     <a:p>
                       <a:r>
-                        <a:rPr lang="en-US" sz="2400" dirty="0" smtClean="0"/>
+                        <a:rPr lang="en-US" sz="2400" dirty="0"/>
                         <a:t>Reign Over Me</a:t>
                       </a:r>
-                      <a:endParaRPr lang="en-US" sz="2400" dirty="0"/>
                     </a:p>
                   </a:txBody>
                   <a:tcPr/>
@@ -38171,10 +37756,9 @@
                     <a:lstStyle/>
                     <a:p>
                       <a:r>
-                        <a:rPr lang="en-US" sz="2400" dirty="0" smtClean="0"/>
+                        <a:rPr lang="en-US" sz="2400" dirty="0"/>
                         <a:t>2007</a:t>
                       </a:r>
-                      <a:endParaRPr lang="en-US" sz="2400" dirty="0"/>
                     </a:p>
                   </a:txBody>
                   <a:tcPr/>
@@ -38185,10 +37769,9 @@
                     <a:lstStyle/>
                     <a:p>
                       <a:r>
-                        <a:rPr lang="en-US" sz="2400" dirty="0" smtClean="0"/>
+                        <a:rPr lang="en-US" sz="2400" dirty="0"/>
                         <a:t>Drama</a:t>
                       </a:r>
-                      <a:endParaRPr lang="en-US" sz="2400" dirty="0"/>
                     </a:p>
                   </a:txBody>
                   <a:tcPr/>
@@ -38199,7 +37782,7 @@
                     <a:lstStyle/>
                     <a:p>
                       <a:r>
-                        <a:rPr lang="en-US" sz="2400" dirty="0" smtClean="0"/>
+                        <a:rPr lang="en-US" sz="2400" dirty="0"/>
                         <a:t>Mike Binder</a:t>
                       </a:r>
                     </a:p>
@@ -38219,10 +37802,9 @@
                     <a:lstStyle/>
                     <a:p>
                       <a:r>
-                        <a:rPr lang="en-US" sz="2400" dirty="0" smtClean="0"/>
+                        <a:rPr lang="en-US" sz="2400" dirty="0"/>
                         <a:t>Grown Ups 2</a:t>
                       </a:r>
-                      <a:endParaRPr lang="en-US" sz="2400" dirty="0"/>
                     </a:p>
                   </a:txBody>
                   <a:tcPr/>
@@ -38233,10 +37815,9 @@
                     <a:lstStyle/>
                     <a:p>
                       <a:r>
-                        <a:rPr lang="en-US" sz="2400" dirty="0" smtClean="0"/>
+                        <a:rPr lang="en-US" sz="2400" dirty="0"/>
                         <a:t>2013</a:t>
                       </a:r>
-                      <a:endParaRPr lang="en-US" sz="2400" dirty="0"/>
                     </a:p>
                   </a:txBody>
                   <a:tcPr/>
@@ -38247,10 +37828,9 @@
                     <a:lstStyle/>
                     <a:p>
                       <a:r>
-                        <a:rPr lang="en-US" sz="2400" dirty="0" smtClean="0"/>
+                        <a:rPr lang="en-US" sz="2400" dirty="0"/>
                         <a:t>Comedy</a:t>
                       </a:r>
-                      <a:endParaRPr lang="en-US" sz="2400" dirty="0"/>
                     </a:p>
                   </a:txBody>
                   <a:tcPr/>
@@ -38261,10 +37841,9 @@
                     <a:lstStyle/>
                     <a:p>
                       <a:r>
-                        <a:rPr lang="en-US" sz="2400" dirty="0" smtClean="0"/>
+                        <a:rPr lang="en-US" sz="2400" dirty="0"/>
                         <a:t>Dennis Dugan</a:t>
                       </a:r>
-                      <a:endParaRPr lang="en-US" sz="2400" dirty="0"/>
                     </a:p>
                   </a:txBody>
                   <a:tcPr/>
@@ -38282,10 +37861,9 @@
                     <a:lstStyle/>
                     <a:p>
                       <a:r>
-                        <a:rPr lang="en-US" sz="2400" dirty="0" smtClean="0"/>
+                        <a:rPr lang="en-US" sz="2400" dirty="0"/>
                         <a:t>Uncut Gems</a:t>
                       </a:r>
-                      <a:endParaRPr lang="en-US" sz="2400" dirty="0"/>
                     </a:p>
                   </a:txBody>
                   <a:tcPr/>
@@ -38296,10 +37874,9 @@
                     <a:lstStyle/>
                     <a:p>
                       <a:r>
-                        <a:rPr lang="en-US" sz="2400" dirty="0" smtClean="0"/>
+                        <a:rPr lang="en-US" sz="2400" dirty="0"/>
                         <a:t>2019</a:t>
                       </a:r>
-                      <a:endParaRPr lang="en-US" sz="2400" dirty="0"/>
                     </a:p>
                   </a:txBody>
                   <a:tcPr/>
@@ -38310,10 +37887,9 @@
                     <a:lstStyle/>
                     <a:p>
                       <a:r>
-                        <a:rPr lang="en-US" sz="2400" dirty="0" smtClean="0"/>
+                        <a:rPr lang="en-US" sz="2400" dirty="0"/>
                         <a:t>Thriller</a:t>
                       </a:r>
-                      <a:endParaRPr lang="en-US" sz="2400" dirty="0"/>
                     </a:p>
                   </a:txBody>
                   <a:tcPr/>
@@ -38324,19 +37900,19 @@
                     <a:lstStyle/>
                     <a:p>
                       <a:r>
-                        <a:rPr lang="en-US" sz="2400" dirty="0" smtClean="0"/>
+                        <a:rPr lang="en-US" sz="2400" dirty="0"/>
                         <a:t>Josh </a:t>
                       </a:r>
                       <a:r>
-                        <a:rPr lang="en-US" sz="2400" dirty="0" err="1" smtClean="0"/>
+                        <a:rPr lang="en-US" sz="2400" dirty="0" err="1"/>
                         <a:t>Safdie</a:t>
                       </a:r>
                       <a:r>
-                        <a:rPr lang="en-US" sz="2400" dirty="0" smtClean="0"/>
+                        <a:rPr lang="en-US" sz="2400" dirty="0"/>
                         <a:t> &amp; Benny </a:t>
                       </a:r>
                       <a:r>
-                        <a:rPr lang="en-US" sz="2400" dirty="0" err="1" smtClean="0"/>
+                        <a:rPr lang="en-US" sz="2400" dirty="0" err="1"/>
                         <a:t>Safdie</a:t>
                       </a:r>
                       <a:endParaRPr lang="en-US" sz="2400" dirty="0"/>
@@ -38357,10 +37933,9 @@
                     <a:lstStyle/>
                     <a:p>
                       <a:r>
-                        <a:rPr lang="en-US" sz="2400" dirty="0" smtClean="0"/>
+                        <a:rPr lang="en-US" sz="2400" dirty="0"/>
                         <a:t>Pixels</a:t>
                       </a:r>
-                      <a:endParaRPr lang="en-US" sz="2400" dirty="0"/>
                     </a:p>
                   </a:txBody>
                   <a:tcPr/>
@@ -38371,10 +37946,9 @@
                     <a:lstStyle/>
                     <a:p>
                       <a:r>
-                        <a:rPr lang="en-US" sz="2400" dirty="0" smtClean="0"/>
+                        <a:rPr lang="en-US" sz="2400" dirty="0"/>
                         <a:t>2016</a:t>
                       </a:r>
-                      <a:endParaRPr lang="en-US" sz="2400" dirty="0"/>
                     </a:p>
                   </a:txBody>
                   <a:tcPr/>
@@ -38385,10 +37959,9 @@
                     <a:lstStyle/>
                     <a:p>
                       <a:r>
-                        <a:rPr lang="en-US" sz="2400" dirty="0" smtClean="0"/>
+                        <a:rPr lang="en-US" sz="2400" dirty="0"/>
                         <a:t>Comedy</a:t>
                       </a:r>
-                      <a:endParaRPr lang="en-US" sz="2400" dirty="0"/>
                     </a:p>
                   </a:txBody>
                   <a:tcPr/>
@@ -38399,10 +37972,9 @@
                     <a:lstStyle/>
                     <a:p>
                       <a:r>
-                        <a:rPr lang="en-US" sz="2400" dirty="0" smtClean="0"/>
+                        <a:rPr lang="en-US" sz="2400" dirty="0"/>
                         <a:t>Chris Columbus</a:t>
                       </a:r>
-                      <a:endParaRPr lang="en-US" sz="2400" dirty="0"/>
                     </a:p>
                   </a:txBody>
                   <a:tcPr/>
@@ -38442,7 +38014,7 @@
           <a:lstStyle/>
           <a:p>
             <a:r>
-              <a:rPr lang="en-US" sz="2400" b="1" dirty="0" smtClean="0"/>
+              <a:rPr lang="en-US" sz="2400" b="1" dirty="0"/>
               <a:t>2015</a:t>
             </a:r>
             <a:endParaRPr lang="en-US" b="1" dirty="0"/>
@@ -38634,10 +38206,9 @@
           <a:lstStyle/>
           <a:p>
             <a:r>
-              <a:rPr lang="en-US" dirty="0" smtClean="0"/>
+              <a:rPr lang="en-US" dirty="0"/>
               <a:t>SQL Delete</a:t>
             </a:r>
-            <a:endParaRPr lang="en-US" dirty="0"/>
           </a:p>
         </p:txBody>
       </p:sp>
@@ -38818,10 +38389,9 @@
                     <a:lstStyle/>
                     <a:p>
                       <a:r>
-                        <a:rPr lang="en-US" sz="2400" dirty="0" smtClean="0"/>
+                        <a:rPr lang="en-US" sz="2400" dirty="0"/>
                         <a:t>Title</a:t>
                       </a:r>
-                      <a:endParaRPr lang="en-US" sz="2400" dirty="0"/>
                     </a:p>
                   </a:txBody>
                   <a:tcPr>
@@ -38838,10 +38408,9 @@
                     <a:lstStyle/>
                     <a:p>
                       <a:r>
-                        <a:rPr lang="en-US" sz="2400" dirty="0" smtClean="0"/>
+                        <a:rPr lang="en-US" sz="2400" dirty="0"/>
                         <a:t>Year</a:t>
                       </a:r>
-                      <a:endParaRPr lang="en-US" sz="2400" dirty="0"/>
                     </a:p>
                   </a:txBody>
                   <a:tcPr>
@@ -38858,10 +38427,9 @@
                     <a:lstStyle/>
                     <a:p>
                       <a:r>
-                        <a:rPr lang="en-US" sz="2400" dirty="0" smtClean="0"/>
+                        <a:rPr lang="en-US" sz="2400" dirty="0"/>
                         <a:t>Genre</a:t>
                       </a:r>
-                      <a:endParaRPr lang="en-US" sz="2400" dirty="0"/>
                     </a:p>
                   </a:txBody>
                   <a:tcPr>
@@ -38878,10 +38446,9 @@
                     <a:lstStyle/>
                     <a:p>
                       <a:r>
-                        <a:rPr lang="en-US" sz="2400" dirty="0" smtClean="0"/>
+                        <a:rPr lang="en-US" sz="2400" dirty="0"/>
                         <a:t>Director</a:t>
                       </a:r>
-                      <a:endParaRPr lang="en-US" sz="2400" dirty="0"/>
                     </a:p>
                   </a:txBody>
                   <a:tcPr>
@@ -38905,10 +38472,9 @@
                     <a:lstStyle/>
                     <a:p>
                       <a:r>
-                        <a:rPr lang="en-US" sz="2400" dirty="0" smtClean="0"/>
+                        <a:rPr lang="en-US" sz="2400" dirty="0"/>
                         <a:t>Billy Madison</a:t>
                       </a:r>
-                      <a:endParaRPr lang="en-US" sz="2400" dirty="0"/>
                     </a:p>
                   </a:txBody>
                   <a:tcPr/>
@@ -38919,10 +38485,9 @@
                     <a:lstStyle/>
                     <a:p>
                       <a:r>
-                        <a:rPr lang="en-US" sz="2400" dirty="0" smtClean="0"/>
+                        <a:rPr lang="en-US" sz="2400" dirty="0"/>
                         <a:t>1995</a:t>
                       </a:r>
-                      <a:endParaRPr lang="en-US" sz="2400" dirty="0"/>
                     </a:p>
                   </a:txBody>
                   <a:tcPr/>
@@ -38933,10 +38498,9 @@
                     <a:lstStyle/>
                     <a:p>
                       <a:r>
-                        <a:rPr lang="en-US" sz="2400" dirty="0" smtClean="0"/>
+                        <a:rPr lang="en-US" sz="2400" dirty="0"/>
                         <a:t>Comedy</a:t>
                       </a:r>
-                      <a:endParaRPr lang="en-US" sz="2400" dirty="0"/>
                     </a:p>
                   </a:txBody>
                   <a:tcPr/>
@@ -38947,11 +38511,11 @@
                     <a:lstStyle/>
                     <a:p>
                       <a:r>
-                        <a:rPr lang="en-US" sz="2400" dirty="0" err="1" smtClean="0"/>
+                        <a:rPr lang="en-US" sz="2400" dirty="0" err="1"/>
                         <a:t>Tamra</a:t>
                       </a:r>
                       <a:r>
-                        <a:rPr lang="en-US" sz="2400" baseline="0" dirty="0" smtClean="0"/>
+                        <a:rPr lang="en-US" sz="2400" baseline="0" dirty="0"/>
                         <a:t> Davis</a:t>
                       </a:r>
                       <a:endParaRPr lang="en-US" sz="2400" dirty="0"/>
@@ -38972,10 +38536,9 @@
                     <a:lstStyle/>
                     <a:p>
                       <a:r>
-                        <a:rPr lang="en-US" sz="2400" dirty="0" smtClean="0"/>
+                        <a:rPr lang="en-US" sz="2400" dirty="0"/>
                         <a:t>The Wedding Singer</a:t>
                       </a:r>
-                      <a:endParaRPr lang="en-US" sz="2400" dirty="0"/>
                     </a:p>
                   </a:txBody>
                   <a:tcPr/>
@@ -38986,10 +38549,9 @@
                     <a:lstStyle/>
                     <a:p>
                       <a:r>
-                        <a:rPr lang="en-US" sz="2400" dirty="0" smtClean="0"/>
+                        <a:rPr lang="en-US" sz="2400" dirty="0"/>
                         <a:t>1998</a:t>
                       </a:r>
-                      <a:endParaRPr lang="en-US" sz="2400" dirty="0"/>
                     </a:p>
                   </a:txBody>
                   <a:tcPr/>
@@ -39000,10 +38562,9 @@
                     <a:lstStyle/>
                     <a:p>
                       <a:r>
-                        <a:rPr lang="en-US" sz="2400" dirty="0" smtClean="0"/>
+                        <a:rPr lang="en-US" sz="2400" dirty="0"/>
                         <a:t>Comedy</a:t>
                       </a:r>
-                      <a:endParaRPr lang="en-US" sz="2400" dirty="0"/>
                     </a:p>
                   </a:txBody>
                   <a:tcPr/>
@@ -39014,11 +38575,11 @@
                     <a:lstStyle/>
                     <a:p>
                       <a:r>
-                        <a:rPr lang="en-US" sz="2400" dirty="0" smtClean="0"/>
+                        <a:rPr lang="en-US" sz="2400" dirty="0"/>
                         <a:t>Frank </a:t>
                       </a:r>
                       <a:r>
-                        <a:rPr lang="en-US" sz="2400" dirty="0" err="1" smtClean="0"/>
+                        <a:rPr lang="en-US" sz="2400" dirty="0" err="1"/>
                         <a:t>Coraci</a:t>
                       </a:r>
                       <a:endParaRPr lang="en-US" sz="2400" dirty="0"/>
@@ -39039,10 +38600,9 @@
                     <a:lstStyle/>
                     <a:p>
                       <a:r>
-                        <a:rPr lang="en-US" sz="2400" dirty="0" smtClean="0"/>
+                        <a:rPr lang="en-US" sz="2400" dirty="0"/>
                         <a:t>Reign Over Me</a:t>
                       </a:r>
-                      <a:endParaRPr lang="en-US" sz="2400" dirty="0"/>
                     </a:p>
                   </a:txBody>
                   <a:tcPr/>
@@ -39053,10 +38613,9 @@
                     <a:lstStyle/>
                     <a:p>
                       <a:r>
-                        <a:rPr lang="en-US" sz="2400" dirty="0" smtClean="0"/>
+                        <a:rPr lang="en-US" sz="2400" dirty="0"/>
                         <a:t>2007</a:t>
                       </a:r>
-                      <a:endParaRPr lang="en-US" sz="2400" dirty="0"/>
                     </a:p>
                   </a:txBody>
                   <a:tcPr/>
@@ -39067,10 +38626,9 @@
                     <a:lstStyle/>
                     <a:p>
                       <a:r>
-                        <a:rPr lang="en-US" sz="2400" dirty="0" smtClean="0"/>
+                        <a:rPr lang="en-US" sz="2400" dirty="0"/>
                         <a:t>Drama</a:t>
                       </a:r>
-                      <a:endParaRPr lang="en-US" sz="2400" dirty="0"/>
                     </a:p>
                   </a:txBody>
                   <a:tcPr/>
@@ -39081,7 +38639,7 @@
                     <a:lstStyle/>
                     <a:p>
                       <a:r>
-                        <a:rPr lang="en-US" sz="2400" dirty="0" smtClean="0"/>
+                        <a:rPr lang="en-US" sz="2400" dirty="0"/>
                         <a:t>Mike Binder</a:t>
                       </a:r>
                     </a:p>
@@ -39101,10 +38659,9 @@
                     <a:lstStyle/>
                     <a:p>
                       <a:r>
-                        <a:rPr lang="en-US" sz="2400" dirty="0" smtClean="0"/>
+                        <a:rPr lang="en-US" sz="2400" dirty="0"/>
                         <a:t>Grown Ups 2</a:t>
                       </a:r>
-                      <a:endParaRPr lang="en-US" sz="2400" dirty="0"/>
                     </a:p>
                   </a:txBody>
                   <a:tcPr/>
@@ -39115,10 +38672,9 @@
                     <a:lstStyle/>
                     <a:p>
                       <a:r>
-                        <a:rPr lang="en-US" sz="2400" dirty="0" smtClean="0"/>
+                        <a:rPr lang="en-US" sz="2400" dirty="0"/>
                         <a:t>2013</a:t>
                       </a:r>
-                      <a:endParaRPr lang="en-US" sz="2400" dirty="0"/>
                     </a:p>
                   </a:txBody>
                   <a:tcPr/>
@@ -39129,10 +38685,9 @@
                     <a:lstStyle/>
                     <a:p>
                       <a:r>
-                        <a:rPr lang="en-US" sz="2400" dirty="0" smtClean="0"/>
+                        <a:rPr lang="en-US" sz="2400" dirty="0"/>
                         <a:t>Comedy</a:t>
                       </a:r>
-                      <a:endParaRPr lang="en-US" sz="2400" dirty="0"/>
                     </a:p>
                   </a:txBody>
                   <a:tcPr/>
@@ -39143,10 +38698,9 @@
                     <a:lstStyle/>
                     <a:p>
                       <a:r>
-                        <a:rPr lang="en-US" sz="2400" dirty="0" smtClean="0"/>
+                        <a:rPr lang="en-US" sz="2400" dirty="0"/>
                         <a:t>Dennis Dugan</a:t>
                       </a:r>
-                      <a:endParaRPr lang="en-US" sz="2400" dirty="0"/>
                     </a:p>
                   </a:txBody>
                   <a:tcPr/>
@@ -39164,10 +38718,9 @@
                     <a:lstStyle/>
                     <a:p>
                       <a:r>
-                        <a:rPr lang="en-US" sz="2400" dirty="0" smtClean="0"/>
+                        <a:rPr lang="en-US" sz="2400" dirty="0"/>
                         <a:t>Uncut Gems</a:t>
                       </a:r>
-                      <a:endParaRPr lang="en-US" sz="2400" dirty="0"/>
                     </a:p>
                   </a:txBody>
                   <a:tcPr/>
@@ -39178,10 +38731,9 @@
                     <a:lstStyle/>
                     <a:p>
                       <a:r>
-                        <a:rPr lang="en-US" sz="2400" dirty="0" smtClean="0"/>
+                        <a:rPr lang="en-US" sz="2400" dirty="0"/>
                         <a:t>2019</a:t>
                       </a:r>
-                      <a:endParaRPr lang="en-US" sz="2400" dirty="0"/>
                     </a:p>
                   </a:txBody>
                   <a:tcPr/>
@@ -39192,10 +38744,9 @@
                     <a:lstStyle/>
                     <a:p>
                       <a:r>
-                        <a:rPr lang="en-US" sz="2400" dirty="0" smtClean="0"/>
+                        <a:rPr lang="en-US" sz="2400" dirty="0"/>
                         <a:t>Thriller</a:t>
                       </a:r>
-                      <a:endParaRPr lang="en-US" sz="2400" dirty="0"/>
                     </a:p>
                   </a:txBody>
                   <a:tcPr/>
@@ -39206,19 +38757,19 @@
                     <a:lstStyle/>
                     <a:p>
                       <a:r>
-                        <a:rPr lang="en-US" sz="2400" dirty="0" smtClean="0"/>
+                        <a:rPr lang="en-US" sz="2400" dirty="0"/>
                         <a:t>Josh </a:t>
                       </a:r>
                       <a:r>
-                        <a:rPr lang="en-US" sz="2400" dirty="0" err="1" smtClean="0"/>
+                        <a:rPr lang="en-US" sz="2400" dirty="0" err="1"/>
                         <a:t>Safdie</a:t>
                       </a:r>
                       <a:r>
-                        <a:rPr lang="en-US" sz="2400" dirty="0" smtClean="0"/>
+                        <a:rPr lang="en-US" sz="2400" dirty="0"/>
                         <a:t> &amp; Benny </a:t>
                       </a:r>
                       <a:r>
-                        <a:rPr lang="en-US" sz="2400" dirty="0" err="1" smtClean="0"/>
+                        <a:rPr lang="en-US" sz="2400" dirty="0" err="1"/>
                         <a:t>Safdie</a:t>
                       </a:r>
                       <a:endParaRPr lang="en-US" sz="2400" dirty="0"/>
@@ -39239,10 +38790,9 @@
                     <a:lstStyle/>
                     <a:p>
                       <a:r>
-                        <a:rPr lang="en-US" sz="2400" dirty="0" smtClean="0"/>
+                        <a:rPr lang="en-US" sz="2400" dirty="0"/>
                         <a:t>Pixels</a:t>
                       </a:r>
-                      <a:endParaRPr lang="en-US" sz="2400" dirty="0"/>
                     </a:p>
                   </a:txBody>
                   <a:tcPr/>
@@ -39253,10 +38803,9 @@
                     <a:lstStyle/>
                     <a:p>
                       <a:r>
-                        <a:rPr lang="en-US" sz="2400" dirty="0" smtClean="0"/>
+                        <a:rPr lang="en-US" sz="2400" dirty="0"/>
                         <a:t>2015</a:t>
                       </a:r>
-                      <a:endParaRPr lang="en-US" sz="2400" dirty="0"/>
                     </a:p>
                   </a:txBody>
                   <a:tcPr/>
@@ -39267,10 +38816,9 @@
                     <a:lstStyle/>
                     <a:p>
                       <a:r>
-                        <a:rPr lang="en-US" sz="2400" dirty="0" smtClean="0"/>
+                        <a:rPr lang="en-US" sz="2400" dirty="0"/>
                         <a:t>Comedy</a:t>
                       </a:r>
-                      <a:endParaRPr lang="en-US" sz="2400" dirty="0"/>
                     </a:p>
                   </a:txBody>
                   <a:tcPr/>
@@ -39281,10 +38829,9 @@
                     <a:lstStyle/>
                     <a:p>
                       <a:r>
-                        <a:rPr lang="en-US" sz="2400" dirty="0" smtClean="0"/>
+                        <a:rPr lang="en-US" sz="2400" dirty="0"/>
                         <a:t>Chris Columbus</a:t>
                       </a:r>
-                      <a:endParaRPr lang="en-US" sz="2400" dirty="0"/>
                     </a:p>
                   </a:txBody>
                   <a:tcPr/>
@@ -39362,7 +38909,7 @@
                 <a:spcPct val="0"/>
               </a:spcAft>
             </a:pPr>
-            <a:endParaRPr lang="en-US" sz="2400" dirty="0" err="1" smtClean="0">
+            <a:endParaRPr lang="en-US" sz="2400" dirty="0" err="1">
               <a:gradFill>
                 <a:gsLst>
                   <a:gs pos="0">
@@ -39439,7 +38986,7 @@
                 <a:spcPct val="0"/>
               </a:spcAft>
             </a:pPr>
-            <a:endParaRPr lang="en-US" sz="2400" dirty="0" err="1" smtClean="0">
+            <a:endParaRPr lang="en-US" sz="2400" dirty="0" err="1">
               <a:gradFill>
                 <a:gsLst>
                   <a:gs pos="0">
@@ -39709,6 +39256,67 @@
 </p:sld>
 </file>
 
+<file path=ppt/slides/slide13.xml><?xml version="1.0" encoding="utf-8"?>
+<p:sld xmlns:a="http://schemas.openxmlformats.org/drawingml/2006/main" xmlns:r="http://schemas.openxmlformats.org/officeDocument/2006/relationships" xmlns:p="http://schemas.openxmlformats.org/presentationml/2006/main">
+  <p:cSld>
+    <p:spTree>
+      <p:nvGrpSpPr>
+        <p:cNvPr id="1" name=""/>
+        <p:cNvGrpSpPr/>
+        <p:nvPr/>
+      </p:nvGrpSpPr>
+      <p:grpSpPr>
+        <a:xfrm>
+          <a:off x="0" y="0"/>
+          <a:ext cx="0" cy="0"/>
+          <a:chOff x="0" y="0"/>
+          <a:chExt cx="0" cy="0"/>
+        </a:xfrm>
+      </p:grpSpPr>
+      <p:sp>
+        <p:nvSpPr>
+          <p:cNvPr id="2" name="Text Placeholder 1">
+            <a:extLst>
+              <a:ext uri="{FF2B5EF4-FFF2-40B4-BE49-F238E27FC236}">
+                <a16:creationId xmlns:a16="http://schemas.microsoft.com/office/drawing/2014/main" id="{A89A5A65-6385-48A6-BEC4-84AC3F9D4164}"/>
+              </a:ext>
+            </a:extLst>
+          </p:cNvPr>
+          <p:cNvSpPr>
+            <a:spLocks noGrp="1"/>
+          </p:cNvSpPr>
+          <p:nvPr>
+            <p:ph type="body" sz="quarter" idx="10"/>
+          </p:nvPr>
+        </p:nvSpPr>
+        <p:spPr/>
+        <p:txBody>
+          <a:bodyPr/>
+          <a:lstStyle/>
+          <a:p>
+            <a:r>
+              <a:rPr lang="en-US"/>
+              <a:t>Questions?</a:t>
+            </a:r>
+          </a:p>
+        </p:txBody>
+      </p:sp>
+    </p:spTree>
+    <p:extLst>
+      <p:ext uri="{BB962C8B-B14F-4D97-AF65-F5344CB8AC3E}">
+        <p14:creationId xmlns:p14="http://schemas.microsoft.com/office/powerpoint/2010/main" val="2705979846"/>
+      </p:ext>
+    </p:extLst>
+  </p:cSld>
+  <p:clrMapOvr>
+    <a:masterClrMapping/>
+  </p:clrMapOvr>
+  <p:transition>
+    <p:fade/>
+  </p:transition>
+</p:sld>
+</file>
+
 <file path=ppt/slides/slide2.xml><?xml version="1.0" encoding="utf-8"?>
 <p:sld xmlns:a="http://schemas.openxmlformats.org/drawingml/2006/main" xmlns:r="http://schemas.openxmlformats.org/officeDocument/2006/relationships" xmlns:p="http://schemas.openxmlformats.org/presentationml/2006/main">
   <p:cSld>
@@ -39752,18 +39360,13 @@
           <a:lstStyle/>
           <a:p>
             <a:r>
-              <a:rPr lang="en-US" dirty="0" smtClean="0">
+              <a:rPr lang="en-US" dirty="0">
                 <a:solidFill>
                   <a:schemeClr val="bg1"/>
                 </a:solidFill>
               </a:rPr>
               <a:t>What is a database?</a:t>
             </a:r>
-            <a:endParaRPr lang="en-US" dirty="0">
-              <a:solidFill>
-                <a:schemeClr val="bg1"/>
-              </a:solidFill>
-            </a:endParaRPr>
           </a:p>
         </p:txBody>
       </p:sp>
@@ -39793,7 +39396,7 @@
               <a:buNone/>
             </a:pPr>
             <a:r>
-              <a:rPr lang="en-US" sz="4400" dirty="0" smtClean="0">
+              <a:rPr lang="en-US" sz="4400" dirty="0">
                 <a:solidFill>
                   <a:schemeClr val="bg1"/>
                 </a:solidFill>
@@ -39830,21 +39433,8 @@
                   <a:schemeClr val="bg1"/>
                 </a:solidFill>
               </a:rPr>
-              <a:t>, typically stored electronically in a computer </a:t>
+              <a:t>, typically stored electronically in a computer system</a:t>
             </a:r>
-            <a:r>
-              <a:rPr lang="en-US" sz="4400" dirty="0" smtClean="0">
-                <a:solidFill>
-                  <a:schemeClr val="bg1"/>
-                </a:solidFill>
-              </a:rPr>
-              <a:t>system</a:t>
-            </a:r>
-            <a:endParaRPr lang="en-US" sz="4400" dirty="0">
-              <a:solidFill>
-                <a:schemeClr val="bg1"/>
-              </a:solidFill>
-            </a:endParaRPr>
           </a:p>
         </p:txBody>
       </p:sp>
@@ -40086,10 +39676,9 @@
           <a:lstStyle/>
           <a:p>
             <a:r>
-              <a:rPr lang="en-US" dirty="0" smtClean="0"/>
+              <a:rPr lang="en-US" dirty="0"/>
               <a:t>Full-Stack Web Architecture</a:t>
             </a:r>
-            <a:endParaRPr lang="en-US" dirty="0"/>
           </a:p>
         </p:txBody>
       </p:sp>
@@ -40161,7 +39750,7 @@
               </a:spcAft>
             </a:pPr>
             <a:r>
-              <a:rPr lang="en-US" sz="2400" dirty="0" smtClean="0">
+              <a:rPr lang="en-US" sz="2400" dirty="0">
                 <a:solidFill>
                   <a:srgbClr val="000000"/>
                 </a:solidFill>
@@ -40184,7 +39773,7 @@
               </a:spcAft>
             </a:pPr>
             <a:r>
-              <a:rPr lang="en-US" dirty="0" smtClean="0">
+              <a:rPr lang="en-US" dirty="0">
                 <a:solidFill>
                   <a:srgbClr val="000000"/>
                 </a:solidFill>
@@ -40226,7 +39815,7 @@
                 <a:spcPct val="0"/>
               </a:spcAft>
             </a:pPr>
-            <a:endParaRPr lang="en-US" dirty="0" smtClean="0">
+            <a:endParaRPr lang="en-US" dirty="0">
               <a:solidFill>
                 <a:srgbClr val="000000"/>
               </a:solidFill>
@@ -40266,7 +39855,7 @@
                 <a:spcPct val="0"/>
               </a:spcAft>
             </a:pPr>
-            <a:endParaRPr lang="en-US" dirty="0" smtClean="0">
+            <a:endParaRPr lang="en-US" dirty="0">
               <a:solidFill>
                 <a:srgbClr val="000000"/>
               </a:solidFill>
@@ -40306,7 +39895,7 @@
                 <a:spcPct val="0"/>
               </a:spcAft>
             </a:pPr>
-            <a:endParaRPr lang="en-US" dirty="0" smtClean="0">
+            <a:endParaRPr lang="en-US" dirty="0">
               <a:solidFill>
                 <a:srgbClr val="000000"/>
               </a:solidFill>
@@ -40346,7 +39935,7 @@
                 <a:spcPct val="0"/>
               </a:spcAft>
             </a:pPr>
-            <a:endParaRPr lang="en-US" dirty="0" smtClean="0">
+            <a:endParaRPr lang="en-US" dirty="0">
               <a:solidFill>
                 <a:srgbClr val="000000"/>
               </a:solidFill>
@@ -40386,7 +39975,7 @@
                 <a:spcPct val="0"/>
               </a:spcAft>
             </a:pPr>
-            <a:endParaRPr lang="en-US" dirty="0" smtClean="0">
+            <a:endParaRPr lang="en-US" dirty="0">
               <a:solidFill>
                 <a:srgbClr val="000000"/>
               </a:solidFill>
@@ -40406,7 +39995,7 @@
                 <a:spcPct val="0"/>
               </a:spcAft>
             </a:pPr>
-            <a:endParaRPr lang="en-US" dirty="0" smtClean="0">
+            <a:endParaRPr lang="en-US" dirty="0">
               <a:solidFill>
                 <a:srgbClr val="000000"/>
               </a:solidFill>
@@ -40427,7 +40016,7 @@
               </a:spcAft>
             </a:pPr>
             <a:r>
-              <a:rPr lang="en-US" b="1" dirty="0" smtClean="0">
+              <a:rPr lang="en-US" b="1" dirty="0">
                 <a:solidFill>
                   <a:srgbClr val="000000"/>
                 </a:solidFill>
@@ -40437,7 +40026,7 @@
               <a:t>HTML</a:t>
             </a:r>
             <a:r>
-              <a:rPr lang="en-US" dirty="0" smtClean="0">
+              <a:rPr lang="en-US" dirty="0">
                 <a:solidFill>
                   <a:srgbClr val="000000"/>
                 </a:solidFill>
@@ -40447,7 +40036,7 @@
               <a:t>, </a:t>
             </a:r>
             <a:r>
-              <a:rPr lang="en-US" b="1" dirty="0" smtClean="0">
+              <a:rPr lang="en-US" b="1" dirty="0">
                 <a:solidFill>
                   <a:srgbClr val="000000"/>
                 </a:solidFill>
@@ -40457,7 +40046,7 @@
               <a:t>CSS</a:t>
             </a:r>
             <a:r>
-              <a:rPr lang="en-US" dirty="0" smtClean="0">
+              <a:rPr lang="en-US" dirty="0">
                 <a:solidFill>
                   <a:srgbClr val="000000"/>
                 </a:solidFill>
@@ -40467,7 +40056,7 @@
               <a:t>, </a:t>
             </a:r>
             <a:r>
-              <a:rPr lang="en-US" b="1" dirty="0" smtClean="0">
+              <a:rPr lang="en-US" b="1" dirty="0">
                 <a:solidFill>
                   <a:srgbClr val="000000"/>
                 </a:solidFill>
@@ -40477,7 +40066,7 @@
               <a:t>JavaScript</a:t>
             </a:r>
             <a:r>
-              <a:rPr lang="en-US" dirty="0" smtClean="0">
+              <a:rPr lang="en-US" dirty="0">
                 <a:solidFill>
                   <a:srgbClr val="000000"/>
                 </a:solidFill>
@@ -40487,7 +40076,7 @@
               <a:t>, </a:t>
             </a:r>
             <a:r>
-              <a:rPr lang="en-US" b="1" dirty="0" smtClean="0">
+              <a:rPr lang="en-US" b="1" dirty="0">
                 <a:solidFill>
                   <a:srgbClr val="000000"/>
                 </a:solidFill>
@@ -40509,7 +40098,7 @@
                 <a:spcPct val="0"/>
               </a:spcAft>
             </a:pPr>
-            <a:endParaRPr lang="en-US" sz="900" dirty="0" smtClean="0">
+            <a:endParaRPr lang="en-US" sz="900" dirty="0">
               <a:solidFill>
                 <a:srgbClr val="000000"/>
               </a:solidFill>
@@ -40530,7 +40119,7 @@
               </a:spcAft>
             </a:pPr>
             <a:r>
-              <a:rPr lang="en-US" sz="1600" i="1" dirty="0" smtClean="0">
+              <a:rPr lang="en-US" sz="1600" i="1" dirty="0">
                 <a:solidFill>
                   <a:srgbClr val="000000"/>
                 </a:solidFill>
@@ -40608,7 +40197,7 @@
               </a:spcAft>
             </a:pPr>
             <a:r>
-              <a:rPr lang="en-US" sz="2400" dirty="0" smtClean="0">
+              <a:rPr lang="en-US" sz="2400" dirty="0">
                 <a:solidFill>
                   <a:srgbClr val="000000"/>
                 </a:solidFill>
@@ -40631,7 +40220,7 @@
               </a:spcAft>
             </a:pPr>
             <a:r>
-              <a:rPr lang="en-US" dirty="0" smtClean="0">
+              <a:rPr lang="en-US" dirty="0">
                 <a:solidFill>
                   <a:srgbClr val="000000"/>
                 </a:solidFill>
@@ -40797,7 +40386,7 @@
               </a:spcAft>
             </a:pPr>
             <a:r>
-              <a:rPr lang="en-US" b="1" dirty="0" smtClean="0">
+              <a:rPr lang="en-US" b="1" dirty="0">
                 <a:solidFill>
                   <a:srgbClr val="000000"/>
                 </a:solidFill>
@@ -40815,14 +40404,14 @@
               </a:spcAft>
             </a:pPr>
             <a:r>
-              <a:rPr lang="en-US" sz="1600" i="1" dirty="0" smtClean="0">
+              <a:rPr lang="en-US" sz="1600" i="1" dirty="0">
                 <a:solidFill>
                   <a:srgbClr val="000000"/>
                 </a:solidFill>
               </a:rPr>
               <a:t>Server</a:t>
             </a:r>
-            <a:endParaRPr lang="en-US" i="1" dirty="0" smtClean="0">
+            <a:endParaRPr lang="en-US" i="1" dirty="0">
               <a:solidFill>
                 <a:srgbClr val="000000"/>
               </a:solidFill>
@@ -40861,7 +40450,7 @@
               </a:spcAft>
             </a:pPr>
             <a:r>
-              <a:rPr lang="en-US" b="1" dirty="0" smtClean="0">
+              <a:rPr lang="en-US" b="1" dirty="0">
                 <a:solidFill>
                   <a:srgbClr val="000000"/>
                 </a:solidFill>
@@ -40879,14 +40468,14 @@
               </a:spcAft>
             </a:pPr>
             <a:r>
-              <a:rPr lang="en-US" sz="1600" i="1" dirty="0" smtClean="0">
+              <a:rPr lang="en-US" sz="1600" i="1" dirty="0">
                 <a:solidFill>
                   <a:srgbClr val="000000"/>
                 </a:solidFill>
               </a:rPr>
               <a:t>Database</a:t>
             </a:r>
-            <a:endParaRPr lang="en-US" i="1" dirty="0" smtClean="0">
+            <a:endParaRPr lang="en-US" i="1" dirty="0">
               <a:solidFill>
                 <a:srgbClr val="000000"/>
               </a:solidFill>
@@ -41077,7 +40666,7 @@
               </a:spcAft>
             </a:pPr>
             <a:r>
-              <a:rPr lang="en-US" sz="1400" dirty="0" smtClean="0">
+              <a:rPr lang="en-US" sz="1400" dirty="0">
                 <a:solidFill>
                   <a:srgbClr val="00586F"/>
                 </a:solidFill>
@@ -41118,7 +40707,7 @@
               </a:spcAft>
             </a:pPr>
             <a:r>
-              <a:rPr lang="en-US" sz="1400" dirty="0" smtClean="0">
+              <a:rPr lang="en-US" sz="1400" dirty="0">
                 <a:solidFill>
                   <a:srgbClr val="000000"/>
                 </a:solidFill>
@@ -41159,7 +40748,7 @@
               </a:spcAft>
             </a:pPr>
             <a:r>
-              <a:rPr lang="en-US" sz="1400" dirty="0" smtClean="0">
+              <a:rPr lang="en-US" sz="1400" dirty="0">
                 <a:solidFill>
                   <a:schemeClr val="accent1"/>
                 </a:solidFill>
@@ -41228,7 +40817,7 @@
                 <a:spcPct val="0"/>
               </a:spcAft>
             </a:pPr>
-            <a:endParaRPr lang="en-US" sz="2400" dirty="0" err="1" smtClean="0">
+            <a:endParaRPr lang="en-US" sz="2400" dirty="0" err="1">
               <a:gradFill>
                 <a:gsLst>
                   <a:gs pos="0">
@@ -41381,10 +40970,9 @@
           <a:lstStyle/>
           <a:p>
             <a:r>
-              <a:rPr lang="en-US" dirty="0" smtClean="0"/>
+              <a:rPr lang="en-US" dirty="0"/>
               <a:t>Relational Database tables</a:t>
             </a:r>
-            <a:endParaRPr lang="en-US" dirty="0"/>
           </a:p>
         </p:txBody>
       </p:sp>
@@ -41409,26 +40997,25 @@
           <a:lstStyle/>
           <a:p>
             <a:r>
-              <a:rPr lang="en-US" dirty="0" smtClean="0"/>
+              <a:rPr lang="en-US" dirty="0"/>
               <a:t>Each </a:t>
             </a:r>
             <a:r>
-              <a:rPr lang="en-US" b="1" dirty="0" smtClean="0"/>
+              <a:rPr lang="en-US" b="1" dirty="0"/>
               <a:t>row</a:t>
             </a:r>
             <a:r>
-              <a:rPr lang="en-US" dirty="0" smtClean="0"/>
+              <a:rPr lang="en-US" dirty="0"/>
               <a:t> is an object, each </a:t>
             </a:r>
             <a:r>
-              <a:rPr lang="en-US" b="1" dirty="0" smtClean="0"/>
+              <a:rPr lang="en-US" b="1" dirty="0"/>
               <a:t>column</a:t>
             </a:r>
             <a:r>
-              <a:rPr lang="en-US" dirty="0" smtClean="0"/>
+              <a:rPr lang="en-US" dirty="0"/>
               <a:t> is a property</a:t>
             </a:r>
-            <a:endParaRPr lang="en-US" dirty="0"/>
           </a:p>
         </p:txBody>
       </p:sp>
@@ -41493,10 +41080,9 @@
                     <a:lstStyle/>
                     <a:p>
                       <a:r>
-                        <a:rPr lang="en-US" sz="2400" dirty="0" smtClean="0"/>
+                        <a:rPr lang="en-US" sz="2400" dirty="0"/>
                         <a:t>Title</a:t>
                       </a:r>
-                      <a:endParaRPr lang="en-US" sz="2400" dirty="0"/>
                     </a:p>
                   </a:txBody>
                   <a:tcPr>
@@ -41513,10 +41099,9 @@
                     <a:lstStyle/>
                     <a:p>
                       <a:r>
-                        <a:rPr lang="en-US" sz="2400" dirty="0" smtClean="0"/>
+                        <a:rPr lang="en-US" sz="2400" dirty="0"/>
                         <a:t>Year</a:t>
                       </a:r>
-                      <a:endParaRPr lang="en-US" sz="2400" dirty="0"/>
                     </a:p>
                   </a:txBody>
                   <a:tcPr>
@@ -41533,10 +41118,9 @@
                     <a:lstStyle/>
                     <a:p>
                       <a:r>
-                        <a:rPr lang="en-US" sz="2400" dirty="0" smtClean="0"/>
+                        <a:rPr lang="en-US" sz="2400" dirty="0"/>
                         <a:t>Genre</a:t>
                       </a:r>
-                      <a:endParaRPr lang="en-US" sz="2400" dirty="0"/>
                     </a:p>
                   </a:txBody>
                   <a:tcPr>
@@ -41553,10 +41137,9 @@
                     <a:lstStyle/>
                     <a:p>
                       <a:r>
-                        <a:rPr lang="en-US" sz="2400" dirty="0" smtClean="0"/>
+                        <a:rPr lang="en-US" sz="2400" dirty="0"/>
                         <a:t>Director</a:t>
                       </a:r>
-                      <a:endParaRPr lang="en-US" sz="2400" dirty="0"/>
                     </a:p>
                   </a:txBody>
                   <a:tcPr>
@@ -41580,10 +41163,9 @@
                     <a:lstStyle/>
                     <a:p>
                       <a:r>
-                        <a:rPr lang="en-US" sz="2400" dirty="0" smtClean="0"/>
+                        <a:rPr lang="en-US" sz="2400" dirty="0"/>
                         <a:t>Billy Madison</a:t>
                       </a:r>
-                      <a:endParaRPr lang="en-US" sz="2400" dirty="0"/>
                     </a:p>
                   </a:txBody>
                   <a:tcPr/>
@@ -41594,10 +41176,9 @@
                     <a:lstStyle/>
                     <a:p>
                       <a:r>
-                        <a:rPr lang="en-US" sz="2400" dirty="0" smtClean="0"/>
+                        <a:rPr lang="en-US" sz="2400" dirty="0"/>
                         <a:t>1995</a:t>
                       </a:r>
-                      <a:endParaRPr lang="en-US" sz="2400" dirty="0"/>
                     </a:p>
                   </a:txBody>
                   <a:tcPr/>
@@ -41608,10 +41189,9 @@
                     <a:lstStyle/>
                     <a:p>
                       <a:r>
-                        <a:rPr lang="en-US" sz="2400" dirty="0" smtClean="0"/>
+                        <a:rPr lang="en-US" sz="2400" dirty="0"/>
                         <a:t>Comedy</a:t>
                       </a:r>
-                      <a:endParaRPr lang="en-US" sz="2400" dirty="0"/>
                     </a:p>
                   </a:txBody>
                   <a:tcPr/>
@@ -41622,11 +41202,11 @@
                     <a:lstStyle/>
                     <a:p>
                       <a:r>
-                        <a:rPr lang="en-US" sz="2400" dirty="0" err="1" smtClean="0"/>
+                        <a:rPr lang="en-US" sz="2400" dirty="0" err="1"/>
                         <a:t>Tamra</a:t>
                       </a:r>
                       <a:r>
-                        <a:rPr lang="en-US" sz="2400" baseline="0" dirty="0" smtClean="0"/>
+                        <a:rPr lang="en-US" sz="2400" baseline="0" dirty="0"/>
                         <a:t> Davis</a:t>
                       </a:r>
                       <a:endParaRPr lang="en-US" sz="2400" dirty="0"/>
@@ -41647,10 +41227,9 @@
                     <a:lstStyle/>
                     <a:p>
                       <a:r>
-                        <a:rPr lang="en-US" sz="2400" dirty="0" smtClean="0"/>
+                        <a:rPr lang="en-US" sz="2400" dirty="0"/>
                         <a:t>The Wedding Singer</a:t>
                       </a:r>
-                      <a:endParaRPr lang="en-US" sz="2400" dirty="0"/>
                     </a:p>
                   </a:txBody>
                   <a:tcPr/>
@@ -41661,10 +41240,9 @@
                     <a:lstStyle/>
                     <a:p>
                       <a:r>
-                        <a:rPr lang="en-US" sz="2400" dirty="0" smtClean="0"/>
+                        <a:rPr lang="en-US" sz="2400" dirty="0"/>
                         <a:t>1998</a:t>
                       </a:r>
-                      <a:endParaRPr lang="en-US" sz="2400" dirty="0"/>
                     </a:p>
                   </a:txBody>
                   <a:tcPr/>
@@ -41675,10 +41253,9 @@
                     <a:lstStyle/>
                     <a:p>
                       <a:r>
-                        <a:rPr lang="en-US" sz="2400" dirty="0" smtClean="0"/>
+                        <a:rPr lang="en-US" sz="2400" dirty="0"/>
                         <a:t>Comedy</a:t>
                       </a:r>
-                      <a:endParaRPr lang="en-US" sz="2400" dirty="0"/>
                     </a:p>
                   </a:txBody>
                   <a:tcPr/>
@@ -41689,11 +41266,11 @@
                     <a:lstStyle/>
                     <a:p>
                       <a:r>
-                        <a:rPr lang="en-US" sz="2400" dirty="0" smtClean="0"/>
+                        <a:rPr lang="en-US" sz="2400" dirty="0"/>
                         <a:t>Frank </a:t>
                       </a:r>
                       <a:r>
-                        <a:rPr lang="en-US" sz="2400" dirty="0" err="1" smtClean="0"/>
+                        <a:rPr lang="en-US" sz="2400" dirty="0" err="1"/>
                         <a:t>Coraci</a:t>
                       </a:r>
                       <a:endParaRPr lang="en-US" sz="2400" dirty="0"/>
@@ -41714,10 +41291,9 @@
                     <a:lstStyle/>
                     <a:p>
                       <a:r>
-                        <a:rPr lang="en-US" sz="2400" dirty="0" smtClean="0"/>
+                        <a:rPr lang="en-US" sz="2400" dirty="0"/>
                         <a:t>Reign Over Me</a:t>
                       </a:r>
-                      <a:endParaRPr lang="en-US" sz="2400" dirty="0"/>
                     </a:p>
                   </a:txBody>
                   <a:tcPr/>
@@ -41728,10 +41304,9 @@
                     <a:lstStyle/>
                     <a:p>
                       <a:r>
-                        <a:rPr lang="en-US" sz="2400" dirty="0" smtClean="0"/>
+                        <a:rPr lang="en-US" sz="2400" dirty="0"/>
                         <a:t>2007</a:t>
                       </a:r>
-                      <a:endParaRPr lang="en-US" sz="2400" dirty="0"/>
                     </a:p>
                   </a:txBody>
                   <a:tcPr/>
@@ -41742,10 +41317,9 @@
                     <a:lstStyle/>
                     <a:p>
                       <a:r>
-                        <a:rPr lang="en-US" sz="2400" dirty="0" smtClean="0"/>
+                        <a:rPr lang="en-US" sz="2400" dirty="0"/>
                         <a:t>Drama</a:t>
                       </a:r>
-                      <a:endParaRPr lang="en-US" sz="2400" dirty="0"/>
                     </a:p>
                   </a:txBody>
                   <a:tcPr/>
@@ -41756,7 +41330,7 @@
                     <a:lstStyle/>
                     <a:p>
                       <a:r>
-                        <a:rPr lang="en-US" sz="2400" dirty="0" smtClean="0"/>
+                        <a:rPr lang="en-US" sz="2400" dirty="0"/>
                         <a:t>Mike Binder</a:t>
                       </a:r>
                     </a:p>
@@ -41776,10 +41350,9 @@
                     <a:lstStyle/>
                     <a:p>
                       <a:r>
-                        <a:rPr lang="en-US" sz="2400" dirty="0" smtClean="0"/>
+                        <a:rPr lang="en-US" sz="2400" dirty="0"/>
                         <a:t>Grown Ups 2</a:t>
                       </a:r>
-                      <a:endParaRPr lang="en-US" sz="2400" dirty="0"/>
                     </a:p>
                   </a:txBody>
                   <a:tcPr/>
@@ -41790,10 +41363,9 @@
                     <a:lstStyle/>
                     <a:p>
                       <a:r>
-                        <a:rPr lang="en-US" sz="2400" dirty="0" smtClean="0"/>
+                        <a:rPr lang="en-US" sz="2400" dirty="0"/>
                         <a:t>2013</a:t>
                       </a:r>
-                      <a:endParaRPr lang="en-US" sz="2400" dirty="0"/>
                     </a:p>
                   </a:txBody>
                   <a:tcPr/>
@@ -41804,10 +41376,9 @@
                     <a:lstStyle/>
                     <a:p>
                       <a:r>
-                        <a:rPr lang="en-US" sz="2400" dirty="0" smtClean="0"/>
+                        <a:rPr lang="en-US" sz="2400" dirty="0"/>
                         <a:t>Comedy</a:t>
                       </a:r>
-                      <a:endParaRPr lang="en-US" sz="2400" dirty="0"/>
                     </a:p>
                   </a:txBody>
                   <a:tcPr/>
@@ -41818,10 +41389,9 @@
                     <a:lstStyle/>
                     <a:p>
                       <a:r>
-                        <a:rPr lang="en-US" sz="2400" dirty="0" smtClean="0"/>
+                        <a:rPr lang="en-US" sz="2400" dirty="0"/>
                         <a:t>Dennis Dugan</a:t>
                       </a:r>
-                      <a:endParaRPr lang="en-US" sz="2400" dirty="0"/>
                     </a:p>
                   </a:txBody>
                   <a:tcPr/>
@@ -41839,10 +41409,9 @@
                     <a:lstStyle/>
                     <a:p>
                       <a:r>
-                        <a:rPr lang="en-US" sz="2400" dirty="0" smtClean="0"/>
+                        <a:rPr lang="en-US" sz="2400" dirty="0"/>
                         <a:t>Uncut Gems</a:t>
                       </a:r>
-                      <a:endParaRPr lang="en-US" sz="2400" dirty="0"/>
                     </a:p>
                   </a:txBody>
                   <a:tcPr/>
@@ -41853,10 +41422,9 @@
                     <a:lstStyle/>
                     <a:p>
                       <a:r>
-                        <a:rPr lang="en-US" sz="2400" dirty="0" smtClean="0"/>
+                        <a:rPr lang="en-US" sz="2400" dirty="0"/>
                         <a:t>2019</a:t>
                       </a:r>
-                      <a:endParaRPr lang="en-US" sz="2400" dirty="0"/>
                     </a:p>
                   </a:txBody>
                   <a:tcPr/>
@@ -41867,10 +41435,9 @@
                     <a:lstStyle/>
                     <a:p>
                       <a:r>
-                        <a:rPr lang="en-US" sz="2400" dirty="0" smtClean="0"/>
+                        <a:rPr lang="en-US" sz="2400" dirty="0"/>
                         <a:t>Thriller</a:t>
                       </a:r>
-                      <a:endParaRPr lang="en-US" sz="2400" dirty="0"/>
                     </a:p>
                   </a:txBody>
                   <a:tcPr/>
@@ -41881,19 +41448,19 @@
                     <a:lstStyle/>
                     <a:p>
                       <a:r>
-                        <a:rPr lang="en-US" sz="2400" dirty="0" smtClean="0"/>
+                        <a:rPr lang="en-US" sz="2400" dirty="0"/>
                         <a:t>Josh </a:t>
                       </a:r>
                       <a:r>
-                        <a:rPr lang="en-US" sz="2400" dirty="0" err="1" smtClean="0"/>
+                        <a:rPr lang="en-US" sz="2400" dirty="0" err="1"/>
                         <a:t>Safdie</a:t>
                       </a:r>
                       <a:r>
-                        <a:rPr lang="en-US" sz="2400" dirty="0" smtClean="0"/>
+                        <a:rPr lang="en-US" sz="2400" dirty="0"/>
                         <a:t> &amp; Benny </a:t>
                       </a:r>
                       <a:r>
-                        <a:rPr lang="en-US" sz="2400" dirty="0" err="1" smtClean="0"/>
+                        <a:rPr lang="en-US" sz="2400" dirty="0" err="1"/>
                         <a:t>Safdie</a:t>
                       </a:r>
                       <a:endParaRPr lang="en-US" sz="2400" dirty="0"/>
@@ -42125,10 +41692,9 @@
               <a:buNone/>
             </a:pPr>
             <a:r>
-              <a:rPr lang="en-US" dirty="0" smtClean="0"/>
+              <a:rPr lang="en-US" dirty="0"/>
               <a:t>Movies</a:t>
             </a:r>
-            <a:endParaRPr lang="en-US" dirty="0"/>
           </a:p>
         </p:txBody>
       </p:sp>
@@ -42329,18 +41895,17 @@
           <a:lstStyle/>
           <a:p>
             <a:r>
-              <a:rPr lang="en-US" dirty="0" smtClean="0"/>
+              <a:rPr lang="en-US" dirty="0"/>
               <a:t>Interacting with </a:t>
             </a:r>
             <a:r>
-              <a:rPr lang="en-US" dirty="0" err="1" smtClean="0"/>
+              <a:rPr lang="en-US" dirty="0" err="1"/>
               <a:t>DatabaseS</a:t>
             </a:r>
             <a:r>
-              <a:rPr lang="en-US" dirty="0" smtClean="0"/>
+              <a:rPr lang="en-US" dirty="0"/>
               <a:t> – SQL</a:t>
             </a:r>
-            <a:endParaRPr lang="en-US" dirty="0"/>
           </a:p>
         </p:txBody>
       </p:sp>
@@ -42362,11 +41927,11 @@
           <a:lstStyle/>
           <a:p>
             <a:r>
-              <a:rPr lang="en-US" sz="3200" b="1" dirty="0" smtClean="0"/>
+              <a:rPr lang="en-US" sz="3200" b="1" dirty="0"/>
               <a:t>S</a:t>
             </a:r>
             <a:r>
-              <a:rPr lang="en-US" sz="3200" dirty="0" smtClean="0"/>
+              <a:rPr lang="en-US" sz="3200" dirty="0"/>
               <a:t>tructured </a:t>
             </a:r>
             <a:r>
@@ -42378,16 +41943,12 @@
               <a:t>uery </a:t>
             </a:r>
             <a:r>
-              <a:rPr lang="en-US" sz="3200" b="1" dirty="0" smtClean="0"/>
+              <a:rPr lang="en-US" sz="3200" b="1" dirty="0"/>
               <a:t>L</a:t>
             </a:r>
             <a:r>
-              <a:rPr lang="en-US" sz="3200" dirty="0" smtClean="0"/>
-              <a:t>anguage </a:t>
-            </a:r>
-            <a:r>
               <a:rPr lang="en-US" sz="3200" dirty="0"/>
-              <a:t>is a language designed to allow both technical and non-technical users </a:t>
+              <a:t>anguage is a language designed to allow both technical and non-technical users </a:t>
             </a:r>
             <a:r>
               <a:rPr lang="en-US" sz="3200" i="1" dirty="0"/>
@@ -42411,11 +41972,7 @@
             </a:r>
             <a:r>
               <a:rPr lang="en-US" sz="3200" dirty="0"/>
-              <a:t> data from a relational </a:t>
-            </a:r>
-            <a:r>
-              <a:rPr lang="en-US" sz="3200" dirty="0" smtClean="0"/>
-              <a:t>database</a:t>
+              <a:t> data from a relational database</a:t>
             </a:r>
           </a:p>
           <a:p>
@@ -42423,7 +41980,7 @@
           </a:p>
           <a:p>
             <a:r>
-              <a:rPr lang="en-US" sz="3200" dirty="0" smtClean="0"/>
+              <a:rPr lang="en-US" sz="3200" dirty="0"/>
               <a:t>Many different types of databases support the common SQL language standard, including Microsoft SQL Server, Oracle, and MySQL</a:t>
             </a:r>
           </a:p>
@@ -42432,12 +41989,12 @@
           </a:p>
           <a:p>
             <a:r>
-              <a:rPr lang="en-US" sz="3200" dirty="0" smtClean="0"/>
+              <a:rPr lang="en-US" sz="3200" dirty="0"/>
               <a:t>SQL is a common way for web servers to interact with data</a:t>
             </a:r>
           </a:p>
           <a:p>
-            <a:endParaRPr lang="en-US" sz="2800" dirty="0" smtClean="0"/>
+            <a:endParaRPr lang="en-US" sz="2800" dirty="0"/>
           </a:p>
         </p:txBody>
       </p:sp>
@@ -42952,7 +42509,7 @@
                 <a:spcPct val="0"/>
               </a:spcAft>
             </a:pPr>
-            <a:endParaRPr lang="en-US" sz="2400" dirty="0" err="1" smtClean="0">
+            <a:endParaRPr lang="en-US" sz="2400" dirty="0" err="1">
               <a:gradFill>
                 <a:gsLst>
                   <a:gs pos="0">
@@ -43001,7 +42558,7 @@
               </a:spcAft>
             </a:pPr>
             <a:r>
-              <a:rPr lang="en-US" sz="5400" b="1" i="1" dirty="0" smtClean="0">
+              <a:rPr lang="en-US" sz="5400" b="1" i="1" dirty="0">
                 <a:solidFill>
                   <a:srgbClr val="2F3459"/>
                 </a:solidFill>
@@ -43183,10 +42740,9 @@
           <a:lstStyle/>
           <a:p>
             <a:r>
-              <a:rPr lang="en-US" dirty="0" smtClean="0"/>
+              <a:rPr lang="en-US" dirty="0"/>
               <a:t>CRUD – The building blocks of an app</a:t>
             </a:r>
-            <a:endParaRPr lang="en-US" dirty="0"/>
           </a:p>
         </p:txBody>
       </p:sp>
@@ -43213,15 +42769,15 @@
           <a:lstStyle/>
           <a:p>
             <a:r>
-              <a:rPr lang="en-US" sz="4000" b="1" dirty="0" smtClean="0"/>
+              <a:rPr lang="en-US" sz="4000" b="1" dirty="0"/>
               <a:t>C</a:t>
             </a:r>
             <a:r>
-              <a:rPr lang="en-US" sz="4000" dirty="0" smtClean="0"/>
+              <a:rPr lang="en-US" sz="4000" dirty="0"/>
               <a:t>reate – SQL </a:t>
             </a:r>
             <a:r>
-              <a:rPr lang="en-US" sz="4000" b="1" dirty="0" smtClean="0">
+              <a:rPr lang="en-US" sz="4000" b="1" dirty="0">
                 <a:solidFill>
                   <a:schemeClr val="accent1">
                     <a:lumMod val="50000"/>
@@ -43235,11 +42791,11 @@
           </a:p>
           <a:p>
             <a:r>
-              <a:rPr lang="en-US" sz="4000" b="1" dirty="0" smtClean="0"/>
+              <a:rPr lang="en-US" sz="4000" b="1" dirty="0"/>
               <a:t>R</a:t>
             </a:r>
             <a:r>
-              <a:rPr lang="en-US" sz="4000" dirty="0" smtClean="0"/>
+              <a:rPr lang="en-US" sz="4000" dirty="0"/>
               <a:t>ead – SQL </a:t>
             </a:r>
             <a:r>
@@ -43257,11 +42813,11 @@
           </a:p>
           <a:p>
             <a:r>
-              <a:rPr lang="en-US" sz="4000" b="1" dirty="0" smtClean="0"/>
+              <a:rPr lang="en-US" sz="4000" b="1" dirty="0"/>
               <a:t>U</a:t>
             </a:r>
             <a:r>
-              <a:rPr lang="en-US" sz="4000" dirty="0" smtClean="0"/>
+              <a:rPr lang="en-US" sz="4000" dirty="0"/>
               <a:t>pdate – SQL </a:t>
             </a:r>
             <a:r>
@@ -43279,11 +42835,11 @@
           </a:p>
           <a:p>
             <a:r>
-              <a:rPr lang="en-US" sz="4000" b="1" dirty="0" smtClean="0"/>
+              <a:rPr lang="en-US" sz="4000" b="1" dirty="0"/>
               <a:t>D</a:t>
             </a:r>
             <a:r>
-              <a:rPr lang="en-US" sz="4000" dirty="0" smtClean="0"/>
+              <a:rPr lang="en-US" sz="4000" dirty="0"/>
               <a:t>elete – SQL </a:t>
             </a:r>
             <a:r>
@@ -43401,7 +42957,7 @@
                 <a:spcPct val="0"/>
               </a:spcAft>
             </a:pPr>
-            <a:endParaRPr lang="en-US" sz="2400" dirty="0" err="1" smtClean="0">
+            <a:endParaRPr lang="en-US" sz="2400" dirty="0" err="1">
               <a:gradFill>
                 <a:gsLst>
                   <a:gs pos="0">
@@ -43450,7 +43006,7 @@
               </a:spcAft>
             </a:pPr>
             <a:r>
-              <a:rPr lang="en-US" sz="4400" b="1" i="1" dirty="0" smtClean="0">
+              <a:rPr lang="en-US" sz="4400" b="1" i="1" dirty="0">
                 <a:solidFill>
                   <a:srgbClr val="2F3459"/>
                 </a:solidFill>
@@ -44048,10 +43604,9 @@
                     <a:lstStyle/>
                     <a:p>
                       <a:r>
-                        <a:rPr lang="en-US" sz="2400" dirty="0" smtClean="0"/>
+                        <a:rPr lang="en-US" sz="2400" dirty="0"/>
                         <a:t>Title</a:t>
                       </a:r>
-                      <a:endParaRPr lang="en-US" sz="2400" dirty="0"/>
                     </a:p>
                   </a:txBody>
                   <a:tcPr>
@@ -44068,10 +43623,9 @@
                     <a:lstStyle/>
                     <a:p>
                       <a:r>
-                        <a:rPr lang="en-US" sz="2400" dirty="0" smtClean="0"/>
+                        <a:rPr lang="en-US" sz="2400" dirty="0"/>
                         <a:t>Year</a:t>
                       </a:r>
-                      <a:endParaRPr lang="en-US" sz="2400" dirty="0"/>
                     </a:p>
                   </a:txBody>
                   <a:tcPr>
@@ -44088,10 +43642,9 @@
                     <a:lstStyle/>
                     <a:p>
                       <a:r>
-                        <a:rPr lang="en-US" sz="2400" dirty="0" smtClean="0"/>
+                        <a:rPr lang="en-US" sz="2400" dirty="0"/>
                         <a:t>Genre</a:t>
                       </a:r>
-                      <a:endParaRPr lang="en-US" sz="2400" dirty="0"/>
                     </a:p>
                   </a:txBody>
                   <a:tcPr>
@@ -44108,10 +43661,9 @@
                     <a:lstStyle/>
                     <a:p>
                       <a:r>
-                        <a:rPr lang="en-US" sz="2400" dirty="0" smtClean="0"/>
+                        <a:rPr lang="en-US" sz="2400" dirty="0"/>
                         <a:t>Director</a:t>
                       </a:r>
-                      <a:endParaRPr lang="en-US" sz="2400" dirty="0"/>
                     </a:p>
                   </a:txBody>
                   <a:tcPr>
@@ -44135,10 +43687,9 @@
                     <a:lstStyle/>
                     <a:p>
                       <a:r>
-                        <a:rPr lang="en-US" sz="2400" dirty="0" smtClean="0"/>
+                        <a:rPr lang="en-US" sz="2400" dirty="0"/>
                         <a:t>Billy Madison</a:t>
                       </a:r>
-                      <a:endParaRPr lang="en-US" sz="2400" dirty="0"/>
                     </a:p>
                   </a:txBody>
                   <a:tcPr/>
@@ -44149,10 +43700,9 @@
                     <a:lstStyle/>
                     <a:p>
                       <a:r>
-                        <a:rPr lang="en-US" sz="2400" dirty="0" smtClean="0"/>
+                        <a:rPr lang="en-US" sz="2400" dirty="0"/>
                         <a:t>1995</a:t>
                       </a:r>
-                      <a:endParaRPr lang="en-US" sz="2400" dirty="0"/>
                     </a:p>
                   </a:txBody>
                   <a:tcPr/>
@@ -44163,10 +43713,9 @@
                     <a:lstStyle/>
                     <a:p>
                       <a:r>
-                        <a:rPr lang="en-US" sz="2400" dirty="0" smtClean="0"/>
+                        <a:rPr lang="en-US" sz="2400" dirty="0"/>
                         <a:t>Comedy</a:t>
                       </a:r>
-                      <a:endParaRPr lang="en-US" sz="2400" dirty="0"/>
                     </a:p>
                   </a:txBody>
                   <a:tcPr/>
@@ -44177,11 +43726,11 @@
                     <a:lstStyle/>
                     <a:p>
                       <a:r>
-                        <a:rPr lang="en-US" sz="2400" dirty="0" err="1" smtClean="0"/>
+                        <a:rPr lang="en-US" sz="2400" dirty="0" err="1"/>
                         <a:t>Tamra</a:t>
                       </a:r>
                       <a:r>
-                        <a:rPr lang="en-US" sz="2400" baseline="0" dirty="0" smtClean="0"/>
+                        <a:rPr lang="en-US" sz="2400" baseline="0" dirty="0"/>
                         <a:t> Davis</a:t>
                       </a:r>
                       <a:endParaRPr lang="en-US" sz="2400" dirty="0"/>
@@ -44202,10 +43751,9 @@
                     <a:lstStyle/>
                     <a:p>
                       <a:r>
-                        <a:rPr lang="en-US" sz="2400" dirty="0" smtClean="0"/>
+                        <a:rPr lang="en-US" sz="2400" dirty="0"/>
                         <a:t>The Wedding Singer</a:t>
                       </a:r>
-                      <a:endParaRPr lang="en-US" sz="2400" dirty="0"/>
                     </a:p>
                   </a:txBody>
                   <a:tcPr/>
@@ -44216,10 +43764,9 @@
                     <a:lstStyle/>
                     <a:p>
                       <a:r>
-                        <a:rPr lang="en-US" sz="2400" dirty="0" smtClean="0"/>
+                        <a:rPr lang="en-US" sz="2400" dirty="0"/>
                         <a:t>1998</a:t>
                       </a:r>
-                      <a:endParaRPr lang="en-US" sz="2400" dirty="0"/>
                     </a:p>
                   </a:txBody>
                   <a:tcPr/>
@@ -44230,10 +43777,9 @@
                     <a:lstStyle/>
                     <a:p>
                       <a:r>
-                        <a:rPr lang="en-US" sz="2400" dirty="0" smtClean="0"/>
+                        <a:rPr lang="en-US" sz="2400" dirty="0"/>
                         <a:t>Comedy</a:t>
                       </a:r>
-                      <a:endParaRPr lang="en-US" sz="2400" dirty="0"/>
                     </a:p>
                   </a:txBody>
                   <a:tcPr/>
@@ -44244,11 +43790,11 @@
                     <a:lstStyle/>
                     <a:p>
                       <a:r>
-                        <a:rPr lang="en-US" sz="2400" dirty="0" smtClean="0"/>
+                        <a:rPr lang="en-US" sz="2400" dirty="0"/>
                         <a:t>Frank </a:t>
                       </a:r>
                       <a:r>
-                        <a:rPr lang="en-US" sz="2400" dirty="0" err="1" smtClean="0"/>
+                        <a:rPr lang="en-US" sz="2400" dirty="0" err="1"/>
                         <a:t>Coraci</a:t>
                       </a:r>
                       <a:endParaRPr lang="en-US" sz="2400" dirty="0"/>
@@ -44269,10 +43815,9 @@
                     <a:lstStyle/>
                     <a:p>
                       <a:r>
-                        <a:rPr lang="en-US" sz="2400" dirty="0" smtClean="0"/>
+                        <a:rPr lang="en-US" sz="2400" dirty="0"/>
                         <a:t>Reign Over Me</a:t>
                       </a:r>
-                      <a:endParaRPr lang="en-US" sz="2400" dirty="0"/>
                     </a:p>
                   </a:txBody>
                   <a:tcPr/>
@@ -44283,10 +43828,9 @@
                     <a:lstStyle/>
                     <a:p>
                       <a:r>
-                        <a:rPr lang="en-US" sz="2400" dirty="0" smtClean="0"/>
+                        <a:rPr lang="en-US" sz="2400" dirty="0"/>
                         <a:t>2007</a:t>
                       </a:r>
-                      <a:endParaRPr lang="en-US" sz="2400" dirty="0"/>
                     </a:p>
                   </a:txBody>
                   <a:tcPr/>
@@ -44297,10 +43841,9 @@
                     <a:lstStyle/>
                     <a:p>
                       <a:r>
-                        <a:rPr lang="en-US" sz="2400" dirty="0" smtClean="0"/>
+                        <a:rPr lang="en-US" sz="2400" dirty="0"/>
                         <a:t>Drama</a:t>
                       </a:r>
-                      <a:endParaRPr lang="en-US" sz="2400" dirty="0"/>
                     </a:p>
                   </a:txBody>
                   <a:tcPr/>
@@ -44311,7 +43854,7 @@
                     <a:lstStyle/>
                     <a:p>
                       <a:r>
-                        <a:rPr lang="en-US" sz="2400" dirty="0" smtClean="0"/>
+                        <a:rPr lang="en-US" sz="2400" dirty="0"/>
                         <a:t>Mike Binder</a:t>
                       </a:r>
                     </a:p>
@@ -44331,10 +43874,9 @@
                     <a:lstStyle/>
                     <a:p>
                       <a:r>
-                        <a:rPr lang="en-US" sz="2400" dirty="0" smtClean="0"/>
+                        <a:rPr lang="en-US" sz="2400" dirty="0"/>
                         <a:t>Grown Ups 2</a:t>
                       </a:r>
-                      <a:endParaRPr lang="en-US" sz="2400" dirty="0"/>
                     </a:p>
                   </a:txBody>
                   <a:tcPr/>
@@ -44345,10 +43887,9 @@
                     <a:lstStyle/>
                     <a:p>
                       <a:r>
-                        <a:rPr lang="en-US" sz="2400" dirty="0" smtClean="0"/>
+                        <a:rPr lang="en-US" sz="2400" dirty="0"/>
                         <a:t>2013</a:t>
                       </a:r>
-                      <a:endParaRPr lang="en-US" sz="2400" dirty="0"/>
                     </a:p>
                   </a:txBody>
                   <a:tcPr/>
@@ -44359,10 +43900,9 @@
                     <a:lstStyle/>
                     <a:p>
                       <a:r>
-                        <a:rPr lang="en-US" sz="2400" dirty="0" smtClean="0"/>
+                        <a:rPr lang="en-US" sz="2400" dirty="0"/>
                         <a:t>Comedy</a:t>
                       </a:r>
-                      <a:endParaRPr lang="en-US" sz="2400" dirty="0"/>
                     </a:p>
                   </a:txBody>
                   <a:tcPr/>
@@ -44373,10 +43913,9 @@
                     <a:lstStyle/>
                     <a:p>
                       <a:r>
-                        <a:rPr lang="en-US" sz="2400" dirty="0" smtClean="0"/>
+                        <a:rPr lang="en-US" sz="2400" dirty="0"/>
                         <a:t>Dennis Dugan</a:t>
                       </a:r>
-                      <a:endParaRPr lang="en-US" sz="2400" dirty="0"/>
                     </a:p>
                   </a:txBody>
                   <a:tcPr/>
@@ -44394,10 +43933,9 @@
                     <a:lstStyle/>
                     <a:p>
                       <a:r>
-                        <a:rPr lang="en-US" sz="2400" dirty="0" smtClean="0"/>
+                        <a:rPr lang="en-US" sz="2400" dirty="0"/>
                         <a:t>Uncut Gems</a:t>
                       </a:r>
-                      <a:endParaRPr lang="en-US" sz="2400" dirty="0"/>
                     </a:p>
                   </a:txBody>
                   <a:tcPr/>
@@ -44408,10 +43946,9 @@
                     <a:lstStyle/>
                     <a:p>
                       <a:r>
-                        <a:rPr lang="en-US" sz="2400" dirty="0" smtClean="0"/>
+                        <a:rPr lang="en-US" sz="2400" dirty="0"/>
                         <a:t>2019</a:t>
                       </a:r>
-                      <a:endParaRPr lang="en-US" sz="2400" dirty="0"/>
                     </a:p>
                   </a:txBody>
                   <a:tcPr/>
@@ -44422,10 +43959,9 @@
                     <a:lstStyle/>
                     <a:p>
                       <a:r>
-                        <a:rPr lang="en-US" sz="2400" dirty="0" smtClean="0"/>
+                        <a:rPr lang="en-US" sz="2400" dirty="0"/>
                         <a:t>Thriller</a:t>
                       </a:r>
-                      <a:endParaRPr lang="en-US" sz="2400" dirty="0"/>
                     </a:p>
                   </a:txBody>
                   <a:tcPr/>
@@ -44436,19 +43972,19 @@
                     <a:lstStyle/>
                     <a:p>
                       <a:r>
-                        <a:rPr lang="en-US" sz="2400" dirty="0" smtClean="0"/>
+                        <a:rPr lang="en-US" sz="2400" dirty="0"/>
                         <a:t>Josh </a:t>
                       </a:r>
                       <a:r>
-                        <a:rPr lang="en-US" sz="2400" dirty="0" err="1" smtClean="0"/>
+                        <a:rPr lang="en-US" sz="2400" dirty="0" err="1"/>
                         <a:t>Safdie</a:t>
                       </a:r>
                       <a:r>
-                        <a:rPr lang="en-US" sz="2400" dirty="0" smtClean="0"/>
+                        <a:rPr lang="en-US" sz="2400" dirty="0"/>
                         <a:t> &amp; Benny </a:t>
                       </a:r>
                       <a:r>
-                        <a:rPr lang="en-US" sz="2400" dirty="0" err="1" smtClean="0"/>
+                        <a:rPr lang="en-US" sz="2400" dirty="0" err="1"/>
                         <a:t>Safdie</a:t>
                       </a:r>
                       <a:endParaRPr lang="en-US" sz="2400" dirty="0"/>
@@ -44469,10 +44005,9 @@
                     <a:lstStyle/>
                     <a:p>
                       <a:r>
-                        <a:rPr lang="en-US" sz="2400" dirty="0" smtClean="0"/>
+                        <a:rPr lang="en-US" sz="2400" dirty="0"/>
                         <a:t>Pixels</a:t>
                       </a:r>
-                      <a:endParaRPr lang="en-US" sz="2400" dirty="0"/>
                     </a:p>
                   </a:txBody>
                   <a:tcPr/>
@@ -44483,10 +44018,9 @@
                     <a:lstStyle/>
                     <a:p>
                       <a:r>
-                        <a:rPr lang="en-US" sz="2400" dirty="0" smtClean="0"/>
+                        <a:rPr lang="en-US" sz="2400" dirty="0"/>
                         <a:t>2016</a:t>
                       </a:r>
-                      <a:endParaRPr lang="en-US" sz="2400" dirty="0"/>
                     </a:p>
                   </a:txBody>
                   <a:tcPr/>
@@ -44497,10 +44031,9 @@
                     <a:lstStyle/>
                     <a:p>
                       <a:r>
-                        <a:rPr lang="en-US" sz="2400" dirty="0" smtClean="0"/>
+                        <a:rPr lang="en-US" sz="2400" dirty="0"/>
                         <a:t>Comedy</a:t>
                       </a:r>
-                      <a:endParaRPr lang="en-US" sz="2400" dirty="0"/>
                     </a:p>
                   </a:txBody>
                   <a:tcPr/>
@@ -44511,10 +44044,9 @@
                     <a:lstStyle/>
                     <a:p>
                       <a:r>
-                        <a:rPr lang="en-US" sz="2400" dirty="0" smtClean="0"/>
+                        <a:rPr lang="en-US" sz="2400" dirty="0"/>
                         <a:t>Chris Columbus</a:t>
                       </a:r>
-                      <a:endParaRPr lang="en-US" sz="2400" dirty="0"/>
                     </a:p>
                   </a:txBody>
                   <a:tcPr/>
@@ -44545,10 +44077,9 @@
           <a:lstStyle/>
           <a:p>
             <a:r>
-              <a:rPr lang="en-US" dirty="0" smtClean="0"/>
+              <a:rPr lang="en-US" dirty="0"/>
               <a:t>SQL INSERT INTO (Create)</a:t>
             </a:r>
-            <a:endParaRPr lang="en-US" dirty="0"/>
           </a:p>
         </p:txBody>
       </p:sp>
@@ -44615,17 +44146,7 @@
                 <a:latin typeface="Courier New" panose="02070309020205020404" pitchFamily="49" charset="0"/>
                 <a:cs typeface="Courier New" panose="02070309020205020404" pitchFamily="49" charset="0"/>
               </a:rPr>
-              <a:t> </a:t>
-            </a:r>
-            <a:r>
-              <a:rPr lang="en-US" b="1" dirty="0" smtClean="0">
-                <a:solidFill>
-                  <a:srgbClr val="000000"/>
-                </a:solidFill>
-                <a:latin typeface="Courier New" panose="02070309020205020404" pitchFamily="49" charset="0"/>
-                <a:cs typeface="Courier New" panose="02070309020205020404" pitchFamily="49" charset="0"/>
-              </a:rPr>
-              <a:t>movies</a:t>
+              <a:t> movies</a:t>
             </a:r>
           </a:p>
           <a:p>
@@ -44633,7 +44154,7 @@
               <a:buNone/>
             </a:pPr>
             <a:r>
-              <a:rPr lang="en-US" b="1" dirty="0" smtClean="0">
+              <a:rPr lang="en-US" b="1" dirty="0">
                 <a:solidFill>
                   <a:srgbClr val="0000FF"/>
                 </a:solidFill>
@@ -44784,10 +44305,9 @@
                     <a:lstStyle/>
                     <a:p>
                       <a:r>
-                        <a:rPr lang="en-US" sz="2400" dirty="0" smtClean="0"/>
+                        <a:rPr lang="en-US" sz="2400" dirty="0"/>
                         <a:t>Title</a:t>
                       </a:r>
-                      <a:endParaRPr lang="en-US" sz="2400" dirty="0"/>
                     </a:p>
                   </a:txBody>
                   <a:tcPr>
@@ -44804,10 +44324,9 @@
                     <a:lstStyle/>
                     <a:p>
                       <a:r>
-                        <a:rPr lang="en-US" sz="2400" dirty="0" smtClean="0"/>
+                        <a:rPr lang="en-US" sz="2400" dirty="0"/>
                         <a:t>Year</a:t>
                       </a:r>
-                      <a:endParaRPr lang="en-US" sz="2400" dirty="0"/>
                     </a:p>
                   </a:txBody>
                   <a:tcPr>
@@ -44824,10 +44343,9 @@
                     <a:lstStyle/>
                     <a:p>
                       <a:r>
-                        <a:rPr lang="en-US" sz="2400" dirty="0" smtClean="0"/>
+                        <a:rPr lang="en-US" sz="2400" dirty="0"/>
                         <a:t>Genre</a:t>
                       </a:r>
-                      <a:endParaRPr lang="en-US" sz="2400" dirty="0"/>
                     </a:p>
                   </a:txBody>
                   <a:tcPr>
@@ -44844,10 +44362,9 @@
                     <a:lstStyle/>
                     <a:p>
                       <a:r>
-                        <a:rPr lang="en-US" sz="2400" dirty="0" smtClean="0"/>
+                        <a:rPr lang="en-US" sz="2400" dirty="0"/>
                         <a:t>Director</a:t>
                       </a:r>
-                      <a:endParaRPr lang="en-US" sz="2400" dirty="0"/>
                     </a:p>
                   </a:txBody>
                   <a:tcPr>
@@ -44871,10 +44388,9 @@
                     <a:lstStyle/>
                     <a:p>
                       <a:r>
-                        <a:rPr lang="en-US" sz="2400" dirty="0" smtClean="0"/>
+                        <a:rPr lang="en-US" sz="2400" dirty="0"/>
                         <a:t>Billy Madison</a:t>
                       </a:r>
-                      <a:endParaRPr lang="en-US" sz="2400" dirty="0"/>
                     </a:p>
                   </a:txBody>
                   <a:tcPr/>
@@ -44885,10 +44401,9 @@
                     <a:lstStyle/>
                     <a:p>
                       <a:r>
-                        <a:rPr lang="en-US" sz="2400" dirty="0" smtClean="0"/>
+                        <a:rPr lang="en-US" sz="2400" dirty="0"/>
                         <a:t>1995</a:t>
                       </a:r>
-                      <a:endParaRPr lang="en-US" sz="2400" dirty="0"/>
                     </a:p>
                   </a:txBody>
                   <a:tcPr/>
@@ -44899,10 +44414,9 @@
                     <a:lstStyle/>
                     <a:p>
                       <a:r>
-                        <a:rPr lang="en-US" sz="2400" dirty="0" smtClean="0"/>
+                        <a:rPr lang="en-US" sz="2400" dirty="0"/>
                         <a:t>Comedy</a:t>
                       </a:r>
-                      <a:endParaRPr lang="en-US" sz="2400" dirty="0"/>
                     </a:p>
                   </a:txBody>
                   <a:tcPr/>
@@ -44913,11 +44427,11 @@
                     <a:lstStyle/>
                     <a:p>
                       <a:r>
-                        <a:rPr lang="en-US" sz="2400" dirty="0" err="1" smtClean="0"/>
+                        <a:rPr lang="en-US" sz="2400" dirty="0" err="1"/>
                         <a:t>Tamra</a:t>
                       </a:r>
                       <a:r>
-                        <a:rPr lang="en-US" sz="2400" baseline="0" dirty="0" smtClean="0"/>
+                        <a:rPr lang="en-US" sz="2400" baseline="0" dirty="0"/>
                         <a:t> Davis</a:t>
                       </a:r>
                       <a:endParaRPr lang="en-US" sz="2400" dirty="0"/>
@@ -44938,10 +44452,9 @@
                     <a:lstStyle/>
                     <a:p>
                       <a:r>
-                        <a:rPr lang="en-US" sz="2400" dirty="0" smtClean="0"/>
+                        <a:rPr lang="en-US" sz="2400" dirty="0"/>
                         <a:t>The Wedding Singer</a:t>
                       </a:r>
-                      <a:endParaRPr lang="en-US" sz="2400" dirty="0"/>
                     </a:p>
                   </a:txBody>
                   <a:tcPr/>
@@ -44952,10 +44465,9 @@
                     <a:lstStyle/>
                     <a:p>
                       <a:r>
-                        <a:rPr lang="en-US" sz="2400" dirty="0" smtClean="0"/>
+                        <a:rPr lang="en-US" sz="2400" dirty="0"/>
                         <a:t>1998</a:t>
                       </a:r>
-                      <a:endParaRPr lang="en-US" sz="2400" dirty="0"/>
                     </a:p>
                   </a:txBody>
                   <a:tcPr/>
@@ -44966,10 +44478,9 @@
                     <a:lstStyle/>
                     <a:p>
                       <a:r>
-                        <a:rPr lang="en-US" sz="2400" dirty="0" smtClean="0"/>
+                        <a:rPr lang="en-US" sz="2400" dirty="0"/>
                         <a:t>Comedy</a:t>
                       </a:r>
-                      <a:endParaRPr lang="en-US" sz="2400" dirty="0"/>
                     </a:p>
                   </a:txBody>
                   <a:tcPr/>
@@ -44980,11 +44491,11 @@
                     <a:lstStyle/>
                     <a:p>
                       <a:r>
-                        <a:rPr lang="en-US" sz="2400" dirty="0" smtClean="0"/>
+                        <a:rPr lang="en-US" sz="2400" dirty="0"/>
                         <a:t>Frank </a:t>
                       </a:r>
                       <a:r>
-                        <a:rPr lang="en-US" sz="2400" dirty="0" err="1" smtClean="0"/>
+                        <a:rPr lang="en-US" sz="2400" dirty="0" err="1"/>
                         <a:t>Coraci</a:t>
                       </a:r>
                       <a:endParaRPr lang="en-US" sz="2400" dirty="0"/>
@@ -45005,10 +44516,9 @@
                     <a:lstStyle/>
                     <a:p>
                       <a:r>
-                        <a:rPr lang="en-US" sz="2400" dirty="0" smtClean="0"/>
+                        <a:rPr lang="en-US" sz="2400" dirty="0"/>
                         <a:t>Reign Over Me</a:t>
                       </a:r>
-                      <a:endParaRPr lang="en-US" sz="2400" dirty="0"/>
                     </a:p>
                   </a:txBody>
                   <a:tcPr/>
@@ -45019,10 +44529,9 @@
                     <a:lstStyle/>
                     <a:p>
                       <a:r>
-                        <a:rPr lang="en-US" sz="2400" dirty="0" smtClean="0"/>
+                        <a:rPr lang="en-US" sz="2400" dirty="0"/>
                         <a:t>2007</a:t>
                       </a:r>
-                      <a:endParaRPr lang="en-US" sz="2400" dirty="0"/>
                     </a:p>
                   </a:txBody>
                   <a:tcPr/>
@@ -45033,10 +44542,9 @@
                     <a:lstStyle/>
                     <a:p>
                       <a:r>
-                        <a:rPr lang="en-US" sz="2400" dirty="0" smtClean="0"/>
+                        <a:rPr lang="en-US" sz="2400" dirty="0"/>
                         <a:t>Drama</a:t>
                       </a:r>
-                      <a:endParaRPr lang="en-US" sz="2400" dirty="0"/>
                     </a:p>
                   </a:txBody>
                   <a:tcPr/>
@@ -45047,7 +44555,7 @@
                     <a:lstStyle/>
                     <a:p>
                       <a:r>
-                        <a:rPr lang="en-US" sz="2400" dirty="0" smtClean="0"/>
+                        <a:rPr lang="en-US" sz="2400" dirty="0"/>
                         <a:t>Mike Binder</a:t>
                       </a:r>
                     </a:p>
@@ -45067,10 +44575,9 @@
                     <a:lstStyle/>
                     <a:p>
                       <a:r>
-                        <a:rPr lang="en-US" sz="2400" dirty="0" smtClean="0"/>
+                        <a:rPr lang="en-US" sz="2400" dirty="0"/>
                         <a:t>Grown Ups 2</a:t>
                       </a:r>
-                      <a:endParaRPr lang="en-US" sz="2400" dirty="0"/>
                     </a:p>
                   </a:txBody>
                   <a:tcPr/>
@@ -45081,10 +44588,9 @@
                     <a:lstStyle/>
                     <a:p>
                       <a:r>
-                        <a:rPr lang="en-US" sz="2400" dirty="0" smtClean="0"/>
+                        <a:rPr lang="en-US" sz="2400" dirty="0"/>
                         <a:t>2013</a:t>
                       </a:r>
-                      <a:endParaRPr lang="en-US" sz="2400" dirty="0"/>
                     </a:p>
                   </a:txBody>
                   <a:tcPr/>
@@ -45095,10 +44601,9 @@
                     <a:lstStyle/>
                     <a:p>
                       <a:r>
-                        <a:rPr lang="en-US" sz="2400" dirty="0" smtClean="0"/>
+                        <a:rPr lang="en-US" sz="2400" dirty="0"/>
                         <a:t>Comedy</a:t>
                       </a:r>
-                      <a:endParaRPr lang="en-US" sz="2400" dirty="0"/>
                     </a:p>
                   </a:txBody>
                   <a:tcPr/>
@@ -45109,10 +44614,9 @@
                     <a:lstStyle/>
                     <a:p>
                       <a:r>
-                        <a:rPr lang="en-US" sz="2400" dirty="0" smtClean="0"/>
+                        <a:rPr lang="en-US" sz="2400" dirty="0"/>
                         <a:t>Dennis Dugan</a:t>
                       </a:r>
-                      <a:endParaRPr lang="en-US" sz="2400" dirty="0"/>
                     </a:p>
                   </a:txBody>
                   <a:tcPr/>
@@ -45130,10 +44634,9 @@
                     <a:lstStyle/>
                     <a:p>
                       <a:r>
-                        <a:rPr lang="en-US" sz="2400" dirty="0" smtClean="0"/>
+                        <a:rPr lang="en-US" sz="2400" dirty="0"/>
                         <a:t>Uncut Gems</a:t>
                       </a:r>
-                      <a:endParaRPr lang="en-US" sz="2400" dirty="0"/>
                     </a:p>
                   </a:txBody>
                   <a:tcPr/>
@@ -45144,10 +44647,9 @@
                     <a:lstStyle/>
                     <a:p>
                       <a:r>
-                        <a:rPr lang="en-US" sz="2400" dirty="0" smtClean="0"/>
+                        <a:rPr lang="en-US" sz="2400" dirty="0"/>
                         <a:t>2019</a:t>
                       </a:r>
-                      <a:endParaRPr lang="en-US" sz="2400" dirty="0"/>
                     </a:p>
                   </a:txBody>
                   <a:tcPr/>
@@ -45158,10 +44660,9 @@
                     <a:lstStyle/>
                     <a:p>
                       <a:r>
-                        <a:rPr lang="en-US" sz="2400" dirty="0" smtClean="0"/>
+                        <a:rPr lang="en-US" sz="2400" dirty="0"/>
                         <a:t>Thriller</a:t>
                       </a:r>
-                      <a:endParaRPr lang="en-US" sz="2400" dirty="0"/>
                     </a:p>
                   </a:txBody>
                   <a:tcPr/>
@@ -45172,19 +44673,19 @@
                     <a:lstStyle/>
                     <a:p>
                       <a:r>
-                        <a:rPr lang="en-US" sz="2400" dirty="0" smtClean="0"/>
+                        <a:rPr lang="en-US" sz="2400" dirty="0"/>
                         <a:t>Josh </a:t>
                       </a:r>
                       <a:r>
-                        <a:rPr lang="en-US" sz="2400" dirty="0" err="1" smtClean="0"/>
+                        <a:rPr lang="en-US" sz="2400" dirty="0" err="1"/>
                         <a:t>Safdie</a:t>
                       </a:r>
                       <a:r>
-                        <a:rPr lang="en-US" sz="2400" dirty="0" smtClean="0"/>
+                        <a:rPr lang="en-US" sz="2400" dirty="0"/>
                         <a:t> &amp; Benny </a:t>
                       </a:r>
                       <a:r>
-                        <a:rPr lang="en-US" sz="2400" dirty="0" err="1" smtClean="0"/>
+                        <a:rPr lang="en-US" sz="2400" dirty="0" err="1"/>
                         <a:t>Safdie</a:t>
                       </a:r>
                       <a:endParaRPr lang="en-US" sz="2400" dirty="0"/>
@@ -45409,10 +44910,9 @@
           <a:lstStyle/>
           <a:p>
             <a:r>
-              <a:rPr lang="en-US" dirty="0" smtClean="0"/>
+              <a:rPr lang="en-US" dirty="0"/>
               <a:t>SQL Select (Read)</a:t>
             </a:r>
-            <a:endParaRPr lang="en-US" dirty="0"/>
           </a:p>
         </p:txBody>
       </p:sp>
@@ -45442,38 +44942,37 @@
               <a:buNone/>
             </a:pPr>
             <a:r>
-              <a:rPr lang="en-US" dirty="0" err="1" smtClean="0"/>
+              <a:rPr lang="en-US" dirty="0" err="1"/>
               <a:t>Tamra</a:t>
             </a:r>
             <a:r>
-              <a:rPr lang="en-US" dirty="0" smtClean="0"/>
+              <a:rPr lang="en-US" dirty="0"/>
               <a:t> Davis, Frank </a:t>
             </a:r>
             <a:r>
-              <a:rPr lang="en-US" dirty="0" err="1" smtClean="0"/>
+              <a:rPr lang="en-US" dirty="0" err="1"/>
               <a:t>Coraci</a:t>
             </a:r>
             <a:r>
-              <a:rPr lang="en-US" dirty="0" smtClean="0"/>
+              <a:rPr lang="en-US" dirty="0"/>
               <a:t>, Mike Binder, Josh </a:t>
             </a:r>
             <a:r>
-              <a:rPr lang="en-US" dirty="0" err="1" smtClean="0"/>
+              <a:rPr lang="en-US" dirty="0" err="1"/>
               <a:t>Safdie</a:t>
             </a:r>
             <a:r>
-              <a:rPr lang="en-US" dirty="0" smtClean="0"/>
+              <a:rPr lang="en-US" dirty="0"/>
               <a:t> &amp; Benny </a:t>
             </a:r>
             <a:r>
-              <a:rPr lang="en-US" dirty="0" err="1" smtClean="0"/>
+              <a:rPr lang="en-US" dirty="0" err="1"/>
               <a:t>Safdie</a:t>
             </a:r>
             <a:r>
-              <a:rPr lang="en-US" dirty="0" smtClean="0"/>
+              <a:rPr lang="en-US" dirty="0"/>
               <a:t>, Chris Columbus</a:t>
             </a:r>
-            <a:endParaRPr lang="en-US" dirty="0"/>
           </a:p>
         </p:txBody>
       </p:sp>
@@ -45500,7 +44999,7 @@
           <a:lstStyle/>
           <a:p>
             <a:r>
-              <a:rPr lang="en-US" sz="3200" b="1" dirty="0" smtClean="0">
+              <a:rPr lang="en-US" sz="3200" b="1" dirty="0">
                 <a:solidFill>
                   <a:srgbClr val="0000FF"/>
                 </a:solidFill>
@@ -45510,7 +45009,7 @@
               <a:t>SELECT</a:t>
             </a:r>
             <a:r>
-              <a:rPr lang="en-US" sz="3200" b="1" dirty="0" smtClean="0">
+              <a:rPr lang="en-US" sz="3200" b="1" dirty="0">
                 <a:solidFill>
                   <a:srgbClr val="000000"/>
                 </a:solidFill>
@@ -45520,7 +45019,7 @@
               <a:t> director </a:t>
             </a:r>
             <a:r>
-              <a:rPr lang="en-US" sz="3200" b="1" dirty="0" smtClean="0">
+              <a:rPr lang="en-US" sz="3200" b="1" dirty="0">
                 <a:solidFill>
                   <a:srgbClr val="0000FF"/>
                 </a:solidFill>
@@ -45530,7 +45029,7 @@
               <a:t>FROM</a:t>
             </a:r>
             <a:r>
-              <a:rPr lang="en-US" sz="3200" b="1" dirty="0" smtClean="0">
+              <a:rPr lang="en-US" sz="3200" b="1" dirty="0">
                 <a:solidFill>
                   <a:srgbClr val="000000"/>
                 </a:solidFill>
@@ -45565,7 +45064,7 @@
           <a:lstStyle/>
           <a:p>
             <a:r>
-              <a:rPr lang="en-US" sz="3200" b="1" dirty="0" smtClean="0">
+              <a:rPr lang="en-US" sz="3200" b="1" dirty="0">
                 <a:solidFill>
                   <a:srgbClr val="0000FF"/>
                 </a:solidFill>
@@ -45575,7 +45074,7 @@
               <a:t>SELECT</a:t>
             </a:r>
             <a:r>
-              <a:rPr lang="en-US" sz="3200" b="1" dirty="0" smtClean="0">
+              <a:rPr lang="en-US" sz="3200" b="1" dirty="0">
                 <a:solidFill>
                   <a:srgbClr val="000000"/>
                 </a:solidFill>
@@ -45585,7 +45084,7 @@
               <a:t> * </a:t>
             </a:r>
             <a:r>
-              <a:rPr lang="en-US" sz="3200" b="1" dirty="0" smtClean="0">
+              <a:rPr lang="en-US" sz="3200" b="1" dirty="0">
                 <a:solidFill>
                   <a:srgbClr val="0000FF"/>
                 </a:solidFill>
@@ -45595,7 +45094,7 @@
               <a:t>FROM</a:t>
             </a:r>
             <a:r>
-              <a:rPr lang="en-US" sz="3200" b="1" dirty="0" smtClean="0">
+              <a:rPr lang="en-US" sz="3200" b="1" dirty="0">
                 <a:solidFill>
                   <a:srgbClr val="000000"/>
                 </a:solidFill>
@@ -45668,10 +45167,9 @@
                     <a:lstStyle/>
                     <a:p>
                       <a:r>
-                        <a:rPr lang="en-US" sz="2000" dirty="0" smtClean="0"/>
+                        <a:rPr lang="en-US" sz="2000" dirty="0"/>
                         <a:t>Title</a:t>
                       </a:r>
-                      <a:endParaRPr lang="en-US" sz="2000" dirty="0"/>
                     </a:p>
                   </a:txBody>
                   <a:tcPr>
@@ -45688,10 +45186,9 @@
                     <a:lstStyle/>
                     <a:p>
                       <a:r>
-                        <a:rPr lang="en-US" sz="2000" dirty="0" smtClean="0"/>
+                        <a:rPr lang="en-US" sz="2000" dirty="0"/>
                         <a:t>Year</a:t>
                       </a:r>
-                      <a:endParaRPr lang="en-US" sz="2000" dirty="0"/>
                     </a:p>
                   </a:txBody>
                   <a:tcPr>
@@ -45708,10 +45205,9 @@
                     <a:lstStyle/>
                     <a:p>
                       <a:r>
-                        <a:rPr lang="en-US" sz="2000" dirty="0" smtClean="0"/>
+                        <a:rPr lang="en-US" sz="2000" dirty="0"/>
                         <a:t>Genre</a:t>
                       </a:r>
-                      <a:endParaRPr lang="en-US" sz="2000" dirty="0"/>
                     </a:p>
                   </a:txBody>
                   <a:tcPr>
@@ -45728,10 +45224,9 @@
                     <a:lstStyle/>
                     <a:p>
                       <a:r>
-                        <a:rPr lang="en-US" sz="2000" dirty="0" smtClean="0"/>
+                        <a:rPr lang="en-US" sz="2000" dirty="0"/>
                         <a:t>Director</a:t>
                       </a:r>
-                      <a:endParaRPr lang="en-US" sz="2000" dirty="0"/>
                     </a:p>
                   </a:txBody>
                   <a:tcPr>
@@ -45755,10 +45250,9 @@
                     <a:lstStyle/>
                     <a:p>
                       <a:r>
-                        <a:rPr lang="en-US" sz="2000" dirty="0" smtClean="0"/>
+                        <a:rPr lang="en-US" sz="2000" dirty="0"/>
                         <a:t>Billy Madison</a:t>
                       </a:r>
-                      <a:endParaRPr lang="en-US" sz="2000" dirty="0"/>
                     </a:p>
                   </a:txBody>
                   <a:tcPr/>
@@ -45769,10 +45263,9 @@
                     <a:lstStyle/>
                     <a:p>
                       <a:r>
-                        <a:rPr lang="en-US" sz="2000" dirty="0" smtClean="0"/>
+                        <a:rPr lang="en-US" sz="2000" dirty="0"/>
                         <a:t>1995</a:t>
                       </a:r>
-                      <a:endParaRPr lang="en-US" sz="2000" dirty="0"/>
                     </a:p>
                   </a:txBody>
                   <a:tcPr/>
@@ -45783,10 +45276,9 @@
                     <a:lstStyle/>
                     <a:p>
                       <a:r>
-                        <a:rPr lang="en-US" sz="2000" dirty="0" smtClean="0"/>
+                        <a:rPr lang="en-US" sz="2000" dirty="0"/>
                         <a:t>Comedy</a:t>
                       </a:r>
-                      <a:endParaRPr lang="en-US" sz="2000" dirty="0"/>
                     </a:p>
                   </a:txBody>
                   <a:tcPr/>
@@ -45797,11 +45289,11 @@
                     <a:lstStyle/>
                     <a:p>
                       <a:r>
-                        <a:rPr lang="en-US" sz="2000" dirty="0" err="1" smtClean="0"/>
+                        <a:rPr lang="en-US" sz="2000" dirty="0" err="1"/>
                         <a:t>Tamra</a:t>
                       </a:r>
                       <a:r>
-                        <a:rPr lang="en-US" sz="2000" baseline="0" dirty="0" smtClean="0"/>
+                        <a:rPr lang="en-US" sz="2000" baseline="0" dirty="0"/>
                         <a:t> Davis</a:t>
                       </a:r>
                       <a:endParaRPr lang="en-US" sz="2000" dirty="0"/>
@@ -45822,10 +45314,9 @@
                     <a:lstStyle/>
                     <a:p>
                       <a:r>
-                        <a:rPr lang="en-US" sz="2000" dirty="0" smtClean="0"/>
+                        <a:rPr lang="en-US" sz="2000" dirty="0"/>
                         <a:t>The Wedding Singer</a:t>
                       </a:r>
-                      <a:endParaRPr lang="en-US" sz="2000" dirty="0"/>
                     </a:p>
                   </a:txBody>
                   <a:tcPr/>
@@ -45836,10 +45327,9 @@
                     <a:lstStyle/>
                     <a:p>
                       <a:r>
-                        <a:rPr lang="en-US" sz="2000" dirty="0" smtClean="0"/>
+                        <a:rPr lang="en-US" sz="2000" dirty="0"/>
                         <a:t>1998</a:t>
                       </a:r>
-                      <a:endParaRPr lang="en-US" sz="2000" dirty="0"/>
                     </a:p>
                   </a:txBody>
                   <a:tcPr/>
@@ -45850,10 +45340,9 @@
                     <a:lstStyle/>
                     <a:p>
                       <a:r>
-                        <a:rPr lang="en-US" sz="2000" dirty="0" smtClean="0"/>
+                        <a:rPr lang="en-US" sz="2000" dirty="0"/>
                         <a:t>Comedy</a:t>
                       </a:r>
-                      <a:endParaRPr lang="en-US" sz="2000" dirty="0"/>
                     </a:p>
                   </a:txBody>
                   <a:tcPr/>
@@ -45864,11 +45353,11 @@
                     <a:lstStyle/>
                     <a:p>
                       <a:r>
-                        <a:rPr lang="en-US" sz="2000" dirty="0" smtClean="0"/>
+                        <a:rPr lang="en-US" sz="2000" dirty="0"/>
                         <a:t>Frank </a:t>
                       </a:r>
                       <a:r>
-                        <a:rPr lang="en-US" sz="2000" dirty="0" err="1" smtClean="0"/>
+                        <a:rPr lang="en-US" sz="2000" dirty="0" err="1"/>
                         <a:t>Coraci</a:t>
                       </a:r>
                       <a:endParaRPr lang="en-US" sz="2000" dirty="0"/>
@@ -45889,10 +45378,9 @@
                     <a:lstStyle/>
                     <a:p>
                       <a:r>
-                        <a:rPr lang="en-US" sz="2000" dirty="0" smtClean="0"/>
+                        <a:rPr lang="en-US" sz="2000" dirty="0"/>
                         <a:t>Reign Over Me</a:t>
                       </a:r>
-                      <a:endParaRPr lang="en-US" sz="2000" dirty="0"/>
                     </a:p>
                   </a:txBody>
                   <a:tcPr/>
@@ -45903,10 +45391,9 @@
                     <a:lstStyle/>
                     <a:p>
                       <a:r>
-                        <a:rPr lang="en-US" sz="2000" dirty="0" smtClean="0"/>
+                        <a:rPr lang="en-US" sz="2000" dirty="0"/>
                         <a:t>2007</a:t>
                       </a:r>
-                      <a:endParaRPr lang="en-US" sz="2000" dirty="0"/>
                     </a:p>
                   </a:txBody>
                   <a:tcPr/>
@@ -45917,10 +45404,9 @@
                     <a:lstStyle/>
                     <a:p>
                       <a:r>
-                        <a:rPr lang="en-US" sz="2000" dirty="0" smtClean="0"/>
+                        <a:rPr lang="en-US" sz="2000" dirty="0"/>
                         <a:t>Drama</a:t>
                       </a:r>
-                      <a:endParaRPr lang="en-US" sz="2000" dirty="0"/>
                     </a:p>
                   </a:txBody>
                   <a:tcPr/>
@@ -45931,7 +45417,7 @@
                     <a:lstStyle/>
                     <a:p>
                       <a:r>
-                        <a:rPr lang="en-US" sz="2000" dirty="0" smtClean="0"/>
+                        <a:rPr lang="en-US" sz="2000" dirty="0"/>
                         <a:t>Mike Binder</a:t>
                       </a:r>
                     </a:p>
@@ -45951,10 +45437,9 @@
                     <a:lstStyle/>
                     <a:p>
                       <a:r>
-                        <a:rPr lang="en-US" sz="2000" dirty="0" smtClean="0"/>
+                        <a:rPr lang="en-US" sz="2000" dirty="0"/>
                         <a:t>Grown Ups 2</a:t>
                       </a:r>
-                      <a:endParaRPr lang="en-US" sz="2000" dirty="0"/>
                     </a:p>
                   </a:txBody>
                   <a:tcPr/>
@@ -45965,10 +45450,9 @@
                     <a:lstStyle/>
                     <a:p>
                       <a:r>
-                        <a:rPr lang="en-US" sz="2000" dirty="0" smtClean="0"/>
+                        <a:rPr lang="en-US" sz="2000" dirty="0"/>
                         <a:t>2013</a:t>
                       </a:r>
-                      <a:endParaRPr lang="en-US" sz="2000" dirty="0"/>
                     </a:p>
                   </a:txBody>
                   <a:tcPr/>
@@ -45979,10 +45463,9 @@
                     <a:lstStyle/>
                     <a:p>
                       <a:r>
-                        <a:rPr lang="en-US" sz="2000" dirty="0" smtClean="0"/>
+                        <a:rPr lang="en-US" sz="2000" dirty="0"/>
                         <a:t>Comedy</a:t>
                       </a:r>
-                      <a:endParaRPr lang="en-US" sz="2000" dirty="0"/>
                     </a:p>
                   </a:txBody>
                   <a:tcPr/>
@@ -45993,10 +45476,9 @@
                     <a:lstStyle/>
                     <a:p>
                       <a:r>
-                        <a:rPr lang="en-US" sz="2000" dirty="0" smtClean="0"/>
+                        <a:rPr lang="en-US" sz="2000" dirty="0"/>
                         <a:t>Dennis Dugan</a:t>
                       </a:r>
-                      <a:endParaRPr lang="en-US" sz="2000" dirty="0"/>
                     </a:p>
                   </a:txBody>
                   <a:tcPr/>
@@ -46014,10 +45496,9 @@
                     <a:lstStyle/>
                     <a:p>
                       <a:r>
-                        <a:rPr lang="en-US" sz="2000" dirty="0" smtClean="0"/>
+                        <a:rPr lang="en-US" sz="2000" dirty="0"/>
                         <a:t>Uncut Gems</a:t>
                       </a:r>
-                      <a:endParaRPr lang="en-US" sz="2000" dirty="0"/>
                     </a:p>
                   </a:txBody>
                   <a:tcPr/>
@@ -46028,10 +45509,9 @@
                     <a:lstStyle/>
                     <a:p>
                       <a:r>
-                        <a:rPr lang="en-US" sz="2000" dirty="0" smtClean="0"/>
+                        <a:rPr lang="en-US" sz="2000" dirty="0"/>
                         <a:t>2019</a:t>
                       </a:r>
-                      <a:endParaRPr lang="en-US" sz="2000" dirty="0"/>
                     </a:p>
                   </a:txBody>
                   <a:tcPr/>
@@ -46042,10 +45522,9 @@
                     <a:lstStyle/>
                     <a:p>
                       <a:r>
-                        <a:rPr lang="en-US" sz="2000" dirty="0" smtClean="0"/>
+                        <a:rPr lang="en-US" sz="2000" dirty="0"/>
                         <a:t>Thriller</a:t>
                       </a:r>
-                      <a:endParaRPr lang="en-US" sz="2000" dirty="0"/>
                     </a:p>
                   </a:txBody>
                   <a:tcPr/>
@@ -46056,19 +45535,19 @@
                     <a:lstStyle/>
                     <a:p>
                       <a:r>
-                        <a:rPr lang="en-US" sz="2000" dirty="0" smtClean="0"/>
+                        <a:rPr lang="en-US" sz="2000" dirty="0"/>
                         <a:t>Josh </a:t>
                       </a:r>
                       <a:r>
-                        <a:rPr lang="en-US" sz="2000" dirty="0" err="1" smtClean="0"/>
+                        <a:rPr lang="en-US" sz="2000" dirty="0" err="1"/>
                         <a:t>Safdie</a:t>
                       </a:r>
                       <a:r>
-                        <a:rPr lang="en-US" sz="2000" dirty="0" smtClean="0"/>
+                        <a:rPr lang="en-US" sz="2000" dirty="0"/>
                         <a:t> &amp; Benny </a:t>
                       </a:r>
                       <a:r>
-                        <a:rPr lang="en-US" sz="2000" dirty="0" err="1" smtClean="0"/>
+                        <a:rPr lang="en-US" sz="2000" dirty="0" err="1"/>
                         <a:t>Safdie</a:t>
                       </a:r>
                       <a:endParaRPr lang="en-US" sz="2000" dirty="0"/>
@@ -46089,10 +45568,9 @@
                     <a:lstStyle/>
                     <a:p>
                       <a:r>
-                        <a:rPr lang="en-US" sz="2000" dirty="0" smtClean="0"/>
+                        <a:rPr lang="en-US" sz="2000" dirty="0"/>
                         <a:t>Pixels</a:t>
                       </a:r>
-                      <a:endParaRPr lang="en-US" sz="2000" dirty="0"/>
                     </a:p>
                   </a:txBody>
                   <a:tcPr/>
@@ -46103,10 +45581,9 @@
                     <a:lstStyle/>
                     <a:p>
                       <a:r>
-                        <a:rPr lang="en-US" sz="2000" dirty="0" smtClean="0"/>
+                        <a:rPr lang="en-US" sz="2000" dirty="0"/>
                         <a:t>2016</a:t>
                       </a:r>
-                      <a:endParaRPr lang="en-US" sz="2000" dirty="0"/>
                     </a:p>
                   </a:txBody>
                   <a:tcPr/>
@@ -46117,10 +45594,9 @@
                     <a:lstStyle/>
                     <a:p>
                       <a:r>
-                        <a:rPr lang="en-US" sz="2000" dirty="0" smtClean="0"/>
+                        <a:rPr lang="en-US" sz="2000" dirty="0"/>
                         <a:t>Comedy</a:t>
                       </a:r>
-                      <a:endParaRPr lang="en-US" sz="2000" dirty="0"/>
                     </a:p>
                   </a:txBody>
                   <a:tcPr/>
@@ -46131,10 +45607,9 @@
                     <a:lstStyle/>
                     <a:p>
                       <a:r>
-                        <a:rPr lang="en-US" sz="2000" dirty="0" smtClean="0"/>
+                        <a:rPr lang="en-US" sz="2000" dirty="0"/>
                         <a:t>Chris Columbus</a:t>
                       </a:r>
-                      <a:endParaRPr lang="en-US" sz="2000" dirty="0"/>
                     </a:p>
                   </a:txBody>
                   <a:tcPr/>
